--- a/Syllabus/Lecture08/Lec08.pptx
+++ b/Syllabus/Lecture08/Lec08.pptx
@@ -325,7 +325,7 @@
           <a:p>
             <a:fld id="{DF9C6931-D0F6-AB40-9D7F-95567148A5C2}" type="datetimeFigureOut">
               <a:rPr lang="en-US" smtClean="0"/>
-              <a:t>9/12/22</a:t>
+              <a:t>9/20/22</a:t>
             </a:fld>
             <a:endParaRPr lang="en-US"/>
           </a:p>
@@ -820,7 +820,7 @@
           <a:p>
             <a:fld id="{736C18F2-6801-5147-A332-A6E1C7D69D18}" type="datetimeFigureOut">
               <a:rPr lang="en-US" smtClean="0"/>
-              <a:t>9/12/22</a:t>
+              <a:t>9/20/22</a:t>
             </a:fld>
             <a:endParaRPr lang="en-US"/>
           </a:p>

--- a/Syllabus/Lecture08/Lec08.pptx
+++ b/Syllabus/Lecture08/Lec08.pptx
@@ -325,7 +325,7 @@
           <a:p>
             <a:fld id="{DF9C6931-D0F6-AB40-9D7F-95567148A5C2}" type="datetimeFigureOut">
               <a:rPr lang="en-US" smtClean="0"/>
-              <a:t>9/20/22</a:t>
+              <a:t>9/21/22</a:t>
             </a:fld>
             <a:endParaRPr lang="en-US"/>
           </a:p>
@@ -820,7 +820,7 @@
           <a:p>
             <a:fld id="{736C18F2-6801-5147-A332-A6E1C7D69D18}" type="datetimeFigureOut">
               <a:rPr lang="en-US" smtClean="0"/>
-              <a:t>9/20/22</a:t>
+              <a:t>9/21/22</a:t>
             </a:fld>
             <a:endParaRPr lang="en-US"/>
           </a:p>
@@ -1425,6 +1425,10 @@
               <a:tabLst/>
               <a:defRPr/>
             </a:pPr>
+            <a:r>
+              <a:rPr lang="en-US" altLang="en-US"/>
+              <a:t>Kronecker Function</a:t>
+            </a:r>
             <a:endParaRPr lang="en-US" altLang="en-US" dirty="0"/>
           </a:p>
           <a:p>
@@ -12694,15 +12698,22 @@
             <a:pPr algn="ctr"/>
             <a:r>
               <a:rPr lang="en-US" altLang="en-US" b="1" dirty="0"/>
-              <a:t>Given a query, assign majority category label of its </a:t>
+              <a:t>Given a query, assign majority category label of its</a:t>
+            </a:r>
+          </a:p>
+          <a:p>
+            <a:pPr algn="ctr"/>
+            <a:r>
+              <a:rPr lang="en-US" altLang="en-US" b="1" dirty="0"/>
+              <a:t> </a:t>
             </a:r>
             <a:r>
               <a:rPr lang="en-US" altLang="en-US" b="1" i="1" dirty="0"/>
-              <a:t>k</a:t>
+              <a:t>k-</a:t>
             </a:r>
             <a:r>
               <a:rPr lang="en-US" altLang="en-US" b="1" dirty="0"/>
-              <a:t> nearest training samples</a:t>
+              <a:t>nearest training samples</a:t>
             </a:r>
           </a:p>
           <a:p>
@@ -18232,50 +18243,6 @@
               <a:t>K-Nearest Neighbors</a:t>
             </a:r>
           </a:p>
-          <a:p>
-            <a:pPr marL="1066785" lvl="1" indent="-457200">
-              <a:buFont typeface="Arial" panose="020B0604020202020204" pitchFamily="34" charset="0"/>
-              <a:buChar char="•"/>
-            </a:pPr>
-            <a:r>
-              <a:rPr lang="en-US" dirty="0"/>
-              <a:t>Theory: 40-45 mins</a:t>
-            </a:r>
-          </a:p>
-          <a:p>
-            <a:pPr marL="1066785" lvl="1" indent="-457200">
-              <a:buFont typeface="Arial" panose="020B0604020202020204" pitchFamily="34" charset="0"/>
-              <a:buChar char="•"/>
-            </a:pPr>
-            <a:r>
-              <a:rPr lang="en-US" dirty="0"/>
-              <a:t>Online code demo – 15-20 mins</a:t>
-            </a:r>
-          </a:p>
-          <a:p>
-            <a:pPr marL="1066785" lvl="1" indent="-457200">
-              <a:buFont typeface="Arial" panose="020B0604020202020204" pitchFamily="34" charset="0"/>
-              <a:buChar char="•"/>
-            </a:pPr>
-            <a:r>
-              <a:rPr lang="en-US" dirty="0"/>
-              <a:t>Pop-quiz - 10 mins</a:t>
-            </a:r>
-          </a:p>
-          <a:p>
-            <a:pPr marL="457200" indent="-457200">
-              <a:buFont typeface="Arial" panose="020B0604020202020204" pitchFamily="34" charset="0"/>
-              <a:buChar char="•"/>
-            </a:pPr>
-            <a:r>
-              <a:rPr lang="en-US" dirty="0"/>
-              <a:t>Office hours until 10:15am</a:t>
-            </a:r>
-          </a:p>
-          <a:p>
-            <a:pPr lvl="1"/>
-            <a:endParaRPr lang="en-US" dirty="0"/>
-          </a:p>
         </p:txBody>
       </p:sp>
     </p:spTree>
@@ -21379,20 +21346,12 @@
           <a:lstStyle/>
           <a:p>
             <a:r>
-              <a:rPr lang="en-US" sz="4000" b="1" dirty="0">
+              <a:rPr lang="en-US" sz="4000" b="1">
                 <a:solidFill>
                   <a:srgbClr val="E46102"/>
                 </a:solidFill>
               </a:rPr>
-              <a:t>Weighted </a:t>
-            </a:r>
-            <a:r>
-              <a:rPr lang="en-US" sz="4000" b="1" dirty="0" err="1">
-                <a:solidFill>
-                  <a:srgbClr val="E46102"/>
-                </a:solidFill>
-              </a:rPr>
-              <a:t>kNN</a:t>
+              <a:t>Weighted k-NN</a:t>
             </a:r>
             <a:endParaRPr sz="4000" b="1" dirty="0">
               <a:solidFill>

--- a/Syllabus/Lecture08/Lec08.pptx
+++ b/Syllabus/Lecture08/Lec08.pptx
@@ -678,9 +678,9 @@
       <inkml:brushProperty name="ignorePressure" value="1"/>
     </inkml:brush>
   </inkml:definitions>
-  <inkml:trace contextRef="#ctx0" brushRef="#br0">3059 4378,'8'3,"6"0,1-1,-1 0,1-1,0-1,-1-1,1 0,0-1,-1 0,0-1,1-1,-1 0,10-5,-9 5,84-27,-1-4,-2-5,3-6,-57 24,-1-1,-2-3,0-1,-2-2,-1-1,-1-2,-2-1,11-16,44-65,-4-5,-6-3,-5-3,-6-3,0-15,-10 28,4 3,22-24,-21 42,3 2,4 3,4 3,46-40,3 17,76-48,-102 92,3 5,2 5,2 4,3 4,60-16,174-75,-260 102,-45 23,0-2,-1-1,-1-2,0-1,-1-2,-2-1,0-1,10-12,39-77,-60 83,-11 14,0 2</inkml:trace>
-  <inkml:trace contextRef="#ctx0" brushRef="#br0" timeOffset="1">3170 4292,'-11'-8,"9"7,-4-2,1-1,-1 0,1 0,-1 0,1-1,0 1,1-1,-1 0,1-1,0 1,0-1,0-2,-16-38,2-1,3 0,-9-45,7 25,-7-21,-3 2,-4 2,-4 1,-4 0,-59-89,-19-12,71 115,-4 3,-2 1,-3 4,-11-6,-65-55,-5 6,-42-21,-414-292,136 87,352 260,4-5,4-4,4-4,-68-93,129 147,2 0,2-2,2-1,2-1,2 0,2-2,2-1,2 0,-4-28,0-38,-3-83,12 86,-23-97,29 194,4 13</inkml:trace>
-  <inkml:trace contextRef="#ctx0" brushRef="#br0" timeOffset="2">3246 4437,'-74'28,"74"-28,-1 0,1 1,-1-1,1 0,0 1,-1-1,1 1,0-1,-1 0,1 1,0-1,0 1,0-1,-1 1,1-1,0 1,0-1,0 1,0-1,0 1,0-1,0 1,0-1,0 1,0-1,0 0,0 1,0-1,0 1,0-1,1 1,-1-1,0 1,0-1,0 1,1-1,-1 0,0 1,1-1,-1 1,0-1,1 0,-1 1,1-1,-1 0,0 0,1 1,-1-1,1 0,-1 0,1 0,-1 1,1-1,-1 0,1 0,-1 0,1 0,-1 0,1 0,-1 0,4 2,55 42,-1 3,-3 3,-2 1,7 12,107 124,-131-152,-2 0,-2 3,-1 0,-2 2,14 28,6 26,31 90,-65-144,-2 0,-1 0,-2 1,-2 1,-2 0,-1 0,-3 0,-1 15,-12 85,-6 0,-11 26,-16 129,35-219,4 1,3 0,4-1,3 1,9 36,-6-69,-5-16,1-1,2 0,1 0,2 0,0-1,2 0,1-1,14 22,38 23,-62-69,-1 0</inkml:trace>
+  <inkml:trace contextRef="#ctx0" brushRef="#br0">2520 3438,'7'2,"4"1,2-2,-2 1,2-2,-1 0,-1 0,2-1,-1-1,0 1,-1-2,2 0,-2 0,9-4,-8 4,70-21,-2-4,0-3,1-5,-46 18,-2 0,0-2,-1-1,-2-2,0-1,-1-1,-2-1,9-12,37-52,-4-3,-5-3,-4-2,-5-3,1-11,-9 22,3 2,18-19,-17 33,3 2,3 2,3 3,38-32,2 13,63-37,-83 72,1 4,2 3,2 4,2 3,50-12,143-59,-214 79,-37 19,0-2,-1 0,-1-2,0-1,0-2,-3 0,1-1,8-9,32-61,-49 65,-10 11,1 2</inkml:trace>
+  <inkml:trace contextRef="#ctx0" brushRef="#br0" timeOffset="1">2612 3370,'-9'-6,"7"5,-3-1,1-1,-1 0,1-1,-1 1,1-1,0 1,0-1,0 0,1 0,0 0,-1-1,1-1,-14-30,3-1,1 0,-6-35,5 19,-6-16,-2 1,-4 2,-3 1,-3 0,-49-70,-15-9,58 89,-3 4,-2-1,-2 5,-10-6,-53-43,-4 5,-34-16,-342-230,112 68,291 205,2-5,4-2,3-4,-55-72,105 115,2-1,2 0,1-2,2 0,2-1,2 0,1-2,1 0,-3-22,1-29,-3-66,9 68,-18-76,24 152,3 10</inkml:trace>
+  <inkml:trace contextRef="#ctx0" brushRef="#br0" timeOffset="2">2674 3484,'-61'22,"61"-22,-1 0,1 1,0-1,0 0,0 1,-1-1,1 0,0 0,-1 0,1 1,0-1,0 1,0-1,-1 1,1-1,0 1,0-1,0 0,0 0,0 1,0-1,0 1,0-1,0 1,0-1,0 0,0 1,0-1,0 0,0 0,1 1,-1-1,0 1,0-1,0 1,1-1,-1 0,0 0,1 0,-1 1,0-1,0 0,0 1,1-1,-1 0,0 0,1 1,-1-1,1 0,-1 0,1 0,-1 1,1-1,-1 0,0 0,0 0,1 0,-1 0,1 0,-1 0,3 1,46 34,-1 2,-3 2,-1 1,5 9,89 98,-109-119,-1-1,-1 3,-2 0,-1 1,12 23,4 19,26 72,-54-114,-1 1,-1-1,-2 1,-1 1,-2 0,-1 0,-3 0,0 12,-10 67,-5-1,-9 21,-13 101,28-172,4 1,3 0,2 0,3 0,8 28,-6-54,-3-12,0-2,2 1,1 0,1 0,1-1,1 0,1-1,11 17,32 19,-52-55,0 1</inkml:trace>
 </inkml:ink>
 </file>
 
@@ -18720,8 +18720,8 @@
         </p:nvSpPr>
         <p:spPr>
           <a:xfrm>
-            <a:off x="1000988" y="1536174"/>
-            <a:ext cx="6986387" cy="3785652"/>
+            <a:off x="763732" y="1557211"/>
+            <a:ext cx="7524227" cy="4339650"/>
           </a:xfrm>
           <a:prstGeom prst="rect">
             <a:avLst/>
@@ -18806,6 +18806,48 @@
             <a:r>
               <a:rPr lang="en-US" dirty="0"/>
               <a:t>Avoid too small or too large values of k</a:t>
+            </a:r>
+          </a:p>
+          <a:p>
+            <a:pPr marL="952485" lvl="1" indent="-342900">
+              <a:buFont typeface="Arial" panose="020B0604020202020204" pitchFamily="34" charset="0"/>
+              <a:buChar char="•"/>
+            </a:pPr>
+            <a:r>
+              <a:rPr lang="en-US" sz="2000" dirty="0"/>
+              <a:t>too small (</a:t>
+            </a:r>
+            <a:r>
+              <a:rPr lang="en-US" sz="2000" b="0" i="0" dirty="0">
+                <a:effectLst/>
+                <a:latin typeface="urw-din"/>
+              </a:rPr>
+              <a:t>algorithm would be more sensitive to outliers</a:t>
+            </a:r>
+            <a:r>
+              <a:rPr lang="en-US" sz="2000" dirty="0"/>
+              <a:t>)</a:t>
+            </a:r>
+          </a:p>
+          <a:p>
+            <a:pPr marL="952485" lvl="1" indent="-342900">
+              <a:buFont typeface="Arial" panose="020B0604020202020204" pitchFamily="34" charset="0"/>
+              <a:buChar char="•"/>
+            </a:pPr>
+            <a:r>
+              <a:rPr lang="en-US" sz="2000" dirty="0"/>
+              <a:t>too large (</a:t>
+            </a:r>
+            <a:r>
+              <a:rPr lang="en-US" sz="2000" b="0" i="0" dirty="0">
+                <a:effectLst/>
+                <a:latin typeface="urw-din"/>
+              </a:rPr>
+              <a:t>neighborhood may include too many points from other classes</a:t>
+            </a:r>
+            <a:r>
+              <a:rPr lang="en-US" sz="2000" dirty="0"/>
+              <a:t>)</a:t>
             </a:r>
           </a:p>
         </p:txBody>
@@ -18861,1123 +18903,1144 @@
           </p:pic>
         </mc:Fallback>
       </mc:AlternateContent>
-      <p:sp>
-        <p:nvSpPr>
-          <p:cNvPr id="9" name="TextBox 8">
+      <p:grpSp>
+        <p:nvGrpSpPr>
+          <p:cNvPr id="4" name="Group 3">
             <a:extLst>
               <a:ext uri="{FF2B5EF4-FFF2-40B4-BE49-F238E27FC236}">
-                <a16:creationId xmlns:a16="http://schemas.microsoft.com/office/drawing/2014/main" id="{3C987227-494E-4EA7-9685-548B2EE1402B}"/>
+                <a16:creationId xmlns:a16="http://schemas.microsoft.com/office/drawing/2014/main" id="{39AC6865-E4F0-D7AC-6B93-813BBB926818}"/>
               </a:ext>
             </a:extLst>
           </p:cNvPr>
-          <p:cNvSpPr txBox="1"/>
+          <p:cNvGrpSpPr/>
           <p:nvPr/>
-        </p:nvSpPr>
-        <p:spPr>
-          <a:xfrm rot="16200000">
-            <a:off x="6765510" y="3323374"/>
-            <a:ext cx="1982262" cy="461665"/>
+        </p:nvGrpSpPr>
+        <p:grpSpPr>
+          <a:xfrm>
+            <a:off x="8293395" y="2106406"/>
+            <a:ext cx="3444504" cy="2827101"/>
+            <a:chOff x="7556586" y="2106406"/>
+            <a:chExt cx="4181313" cy="3600510"/>
           </a:xfrm>
-          <a:prstGeom prst="rect">
-            <a:avLst/>
-          </a:prstGeom>
-          <a:noFill/>
-        </p:spPr>
-        <p:txBody>
-          <a:bodyPr wrap="square" rtlCol="0">
-            <a:spAutoFit/>
-          </a:bodyPr>
-          <a:lstStyle/>
-          <a:p>
-            <a:r>
-              <a:rPr lang="en-US" dirty="0"/>
-              <a:t>feature</a:t>
-            </a:r>
-            <a:r>
-              <a:rPr lang="en-US" baseline="-25000" dirty="0"/>
-              <a:t>1</a:t>
-            </a:r>
-          </a:p>
-        </p:txBody>
-      </p:sp>
-      <p:sp>
-        <p:nvSpPr>
-          <p:cNvPr id="10" name="TextBox 9">
+        </p:grpSpPr>
+        <p:sp>
+          <p:nvSpPr>
+            <p:cNvPr id="9" name="TextBox 8">
+              <a:extLst>
+                <a:ext uri="{FF2B5EF4-FFF2-40B4-BE49-F238E27FC236}">
+                  <a16:creationId xmlns:a16="http://schemas.microsoft.com/office/drawing/2014/main" id="{3C987227-494E-4EA7-9685-548B2EE1402B}"/>
+                </a:ext>
+              </a:extLst>
+            </p:cNvPr>
+            <p:cNvSpPr txBox="1"/>
+            <p:nvPr/>
+          </p:nvSpPr>
+          <p:spPr>
+            <a:xfrm rot="16200000">
+              <a:off x="6765510" y="3354151"/>
+              <a:ext cx="1982262" cy="400110"/>
+            </a:xfrm>
+            <a:prstGeom prst="rect">
+              <a:avLst/>
+            </a:prstGeom>
+            <a:noFill/>
+          </p:spPr>
+          <p:txBody>
+            <a:bodyPr wrap="square" rtlCol="0">
+              <a:spAutoFit/>
+            </a:bodyPr>
+            <a:lstStyle/>
+            <a:p>
+              <a:r>
+                <a:rPr lang="en-US" sz="2000" dirty="0"/>
+                <a:t>feature</a:t>
+              </a:r>
+              <a:r>
+                <a:rPr lang="en-US" sz="2000" baseline="-25000" dirty="0"/>
+                <a:t>1</a:t>
+              </a:r>
+            </a:p>
+          </p:txBody>
+        </p:sp>
+        <p:sp>
+          <p:nvSpPr>
+            <p:cNvPr id="10" name="TextBox 9">
+              <a:extLst>
+                <a:ext uri="{FF2B5EF4-FFF2-40B4-BE49-F238E27FC236}">
+                  <a16:creationId xmlns:a16="http://schemas.microsoft.com/office/drawing/2014/main" id="{41767DDD-0F9B-42B8-8319-216F8E0EB7CB}"/>
+                </a:ext>
+              </a:extLst>
+            </p:cNvPr>
+            <p:cNvSpPr txBox="1"/>
+            <p:nvPr/>
+          </p:nvSpPr>
+          <p:spPr>
+            <a:xfrm>
+              <a:off x="8833632" y="5306806"/>
+              <a:ext cx="1370265" cy="400110"/>
+            </a:xfrm>
+            <a:prstGeom prst="rect">
+              <a:avLst/>
+            </a:prstGeom>
+            <a:noFill/>
+          </p:spPr>
+          <p:txBody>
+            <a:bodyPr wrap="square" rtlCol="0">
+              <a:spAutoFit/>
+            </a:bodyPr>
+            <a:lstStyle/>
+            <a:p>
+              <a:r>
+                <a:rPr lang="en-US" sz="2000" dirty="0"/>
+                <a:t>feature</a:t>
+              </a:r>
+              <a:r>
+                <a:rPr lang="en-US" sz="2000" baseline="-25000" dirty="0"/>
+                <a:t>2</a:t>
+              </a:r>
+            </a:p>
+          </p:txBody>
+        </p:sp>
+        <p:sp>
+          <p:nvSpPr>
+            <p:cNvPr id="12" name="Line 5">
+              <a:extLst>
+                <a:ext uri="{FF2B5EF4-FFF2-40B4-BE49-F238E27FC236}">
+                  <a16:creationId xmlns:a16="http://schemas.microsoft.com/office/drawing/2014/main" id="{7ABC2F1D-0ED6-4428-A9B2-0705BFF60EF8}"/>
+                </a:ext>
+              </a:extLst>
+            </p:cNvPr>
+            <p:cNvSpPr>
+              <a:spLocks noChangeShapeType="1"/>
+            </p:cNvSpPr>
+            <p:nvPr/>
+          </p:nvSpPr>
+          <p:spPr bwMode="auto">
+            <a:xfrm flipV="1">
+              <a:off x="8023340" y="2106406"/>
+              <a:ext cx="0" cy="3200400"/>
+            </a:xfrm>
+            <a:prstGeom prst="line">
+              <a:avLst/>
+            </a:prstGeom>
+            <a:noFill/>
+            <a:ln w="12700">
+              <a:solidFill>
+                <a:schemeClr val="tx1"/>
+              </a:solidFill>
+              <a:miter lim="800000"/>
+              <a:headEnd/>
+              <a:tailEnd type="triangle" w="med" len="med"/>
+            </a:ln>
+            <a:effectLst/>
             <a:extLst>
-              <a:ext uri="{FF2B5EF4-FFF2-40B4-BE49-F238E27FC236}">
-                <a16:creationId xmlns:a16="http://schemas.microsoft.com/office/drawing/2014/main" id="{41767DDD-0F9B-42B8-8319-216F8E0EB7CB}"/>
+              <a:ext uri="{909E8E84-426E-40DD-AFC4-6F175D3DCCD1}">
+                <a14:hiddenFill xmlns:a14="http://schemas.microsoft.com/office/drawing/2010/main">
+                  <a:noFill/>
+                </a14:hiddenFill>
+              </a:ext>
+              <a:ext uri="{AF507438-7753-43E0-B8FC-AC1667EBCBE1}">
+                <a14:hiddenEffects xmlns:a14="http://schemas.microsoft.com/office/drawing/2010/main">
+                  <a:effectLst>
+                    <a:outerShdw dist="35921" dir="2700000" algn="ctr" rotWithShape="0">
+                      <a:schemeClr val="bg2"/>
+                    </a:outerShdw>
+                  </a:effectLst>
+                </a14:hiddenEffects>
               </a:ext>
             </a:extLst>
-          </p:cNvPr>
-          <p:cNvSpPr txBox="1"/>
-          <p:nvPr/>
-        </p:nvSpPr>
-        <p:spPr>
-          <a:xfrm>
-            <a:off x="8833632" y="5306806"/>
-            <a:ext cx="1370265" cy="461665"/>
-          </a:xfrm>
-          <a:prstGeom prst="rect">
-            <a:avLst/>
-          </a:prstGeom>
-          <a:noFill/>
-        </p:spPr>
-        <p:txBody>
-          <a:bodyPr wrap="square" rtlCol="0">
-            <a:spAutoFit/>
-          </a:bodyPr>
-          <a:lstStyle/>
-          <a:p>
-            <a:r>
-              <a:rPr lang="en-US" dirty="0"/>
-              <a:t>feature</a:t>
-            </a:r>
-            <a:r>
-              <a:rPr lang="en-US" baseline="-25000" dirty="0"/>
-              <a:t>2</a:t>
-            </a:r>
-          </a:p>
-        </p:txBody>
-      </p:sp>
-      <p:sp>
-        <p:nvSpPr>
-          <p:cNvPr id="12" name="Line 5">
+          </p:spPr>
+          <p:txBody>
+            <a:bodyPr wrap="none"/>
+            <a:lstStyle/>
+            <a:p>
+              <a:endParaRPr lang="en-US"/>
+            </a:p>
+          </p:txBody>
+        </p:sp>
+        <p:sp>
+          <p:nvSpPr>
+            <p:cNvPr id="13" name="Line 6">
+              <a:extLst>
+                <a:ext uri="{FF2B5EF4-FFF2-40B4-BE49-F238E27FC236}">
+                  <a16:creationId xmlns:a16="http://schemas.microsoft.com/office/drawing/2014/main" id="{7E90FA4B-6680-43CE-ACDC-E778D5B2E03E}"/>
+                </a:ext>
+              </a:extLst>
+            </p:cNvPr>
+            <p:cNvSpPr>
+              <a:spLocks noChangeShapeType="1"/>
+            </p:cNvSpPr>
+            <p:nvPr/>
+          </p:nvSpPr>
+          <p:spPr bwMode="auto">
+            <a:xfrm flipV="1">
+              <a:off x="8023340" y="5306806"/>
+              <a:ext cx="3714559" cy="0"/>
+            </a:xfrm>
+            <a:prstGeom prst="line">
+              <a:avLst/>
+            </a:prstGeom>
+            <a:noFill/>
+            <a:ln w="12700">
+              <a:solidFill>
+                <a:schemeClr val="tx1"/>
+              </a:solidFill>
+              <a:miter lim="800000"/>
+              <a:headEnd/>
+              <a:tailEnd type="triangle" w="med" len="med"/>
+            </a:ln>
+            <a:effectLst/>
             <a:extLst>
-              <a:ext uri="{FF2B5EF4-FFF2-40B4-BE49-F238E27FC236}">
-                <a16:creationId xmlns:a16="http://schemas.microsoft.com/office/drawing/2014/main" id="{7ABC2F1D-0ED6-4428-A9B2-0705BFF60EF8}"/>
+              <a:ext uri="{909E8E84-426E-40DD-AFC4-6F175D3DCCD1}">
+                <a14:hiddenFill xmlns:a14="http://schemas.microsoft.com/office/drawing/2010/main">
+                  <a:noFill/>
+                </a14:hiddenFill>
+              </a:ext>
+              <a:ext uri="{AF507438-7753-43E0-B8FC-AC1667EBCBE1}">
+                <a14:hiddenEffects xmlns:a14="http://schemas.microsoft.com/office/drawing/2010/main">
+                  <a:effectLst>
+                    <a:outerShdw dist="35921" dir="2700000" algn="ctr" rotWithShape="0">
+                      <a:schemeClr val="bg2"/>
+                    </a:outerShdw>
+                  </a:effectLst>
+                </a14:hiddenEffects>
               </a:ext>
             </a:extLst>
-          </p:cNvPr>
-          <p:cNvSpPr>
-            <a:spLocks noChangeShapeType="1"/>
-          </p:cNvSpPr>
-          <p:nvPr/>
-        </p:nvSpPr>
-        <p:spPr bwMode="auto">
-          <a:xfrm flipV="1">
-            <a:off x="8023340" y="2106406"/>
-            <a:ext cx="0" cy="3200400"/>
-          </a:xfrm>
-          <a:prstGeom prst="line">
-            <a:avLst/>
-          </a:prstGeom>
-          <a:noFill/>
-          <a:ln w="12700">
+          </p:spPr>
+          <p:txBody>
+            <a:bodyPr wrap="none"/>
+            <a:lstStyle/>
+            <a:p>
+              <a:endParaRPr lang="en-US"/>
+            </a:p>
+          </p:txBody>
+        </p:sp>
+        <p:sp>
+          <p:nvSpPr>
+            <p:cNvPr id="14" name="Oval 13">
+              <a:extLst>
+                <a:ext uri="{FF2B5EF4-FFF2-40B4-BE49-F238E27FC236}">
+                  <a16:creationId xmlns:a16="http://schemas.microsoft.com/office/drawing/2014/main" id="{9FDD8541-B38E-4929-82AE-E823D2CE2C87}"/>
+                </a:ext>
+              </a:extLst>
+            </p:cNvPr>
+            <p:cNvSpPr>
+              <a:spLocks noChangeArrowheads="1"/>
+            </p:cNvSpPr>
+            <p:nvPr/>
+          </p:nvSpPr>
+          <p:spPr bwMode="auto">
+            <a:xfrm>
+              <a:off x="10127697" y="2375608"/>
+              <a:ext cx="152400" cy="152400"/>
+            </a:xfrm>
+            <a:prstGeom prst="ellipse">
+              <a:avLst/>
+            </a:prstGeom>
             <a:solidFill>
-              <a:schemeClr val="tx1"/>
+              <a:schemeClr val="accent4">
+                <a:lumMod val="75000"/>
+              </a:schemeClr>
             </a:solidFill>
-            <a:miter lim="800000"/>
-            <a:headEnd/>
-            <a:tailEnd type="triangle" w="med" len="med"/>
-          </a:ln>
-          <a:effectLst/>
-          <a:extLst>
-            <a:ext uri="{909E8E84-426E-40DD-AFC4-6F175D3DCCD1}">
-              <a14:hiddenFill xmlns:a14="http://schemas.microsoft.com/office/drawing/2010/main">
-                <a:noFill/>
-              </a14:hiddenFill>
-            </a:ext>
-            <a:ext uri="{AF507438-7753-43E0-B8FC-AC1667EBCBE1}">
-              <a14:hiddenEffects xmlns:a14="http://schemas.microsoft.com/office/drawing/2010/main">
-                <a:effectLst>
-                  <a:outerShdw dist="35921" dir="2700000" algn="ctr" rotWithShape="0">
-                    <a:schemeClr val="bg2"/>
-                  </a:outerShdw>
-                </a:effectLst>
-              </a14:hiddenEffects>
-            </a:ext>
-          </a:extLst>
-        </p:spPr>
-        <p:txBody>
-          <a:bodyPr wrap="none"/>
-          <a:lstStyle/>
-          <a:p>
-            <a:endParaRPr lang="en-US"/>
-          </a:p>
-        </p:txBody>
-      </p:sp>
-      <p:sp>
-        <p:nvSpPr>
-          <p:cNvPr id="13" name="Line 6">
+            <a:ln w="9525">
+              <a:solidFill>
+                <a:schemeClr val="tx1"/>
+              </a:solidFill>
+              <a:miter lim="800000"/>
+              <a:headEnd/>
+              <a:tailEnd/>
+            </a:ln>
+            <a:effectLst/>
             <a:extLst>
-              <a:ext uri="{FF2B5EF4-FFF2-40B4-BE49-F238E27FC236}">
-                <a16:creationId xmlns:a16="http://schemas.microsoft.com/office/drawing/2014/main" id="{7E90FA4B-6680-43CE-ACDC-E778D5B2E03E}"/>
+              <a:ext uri="{AF507438-7753-43E0-B8FC-AC1667EBCBE1}">
+                <a14:hiddenEffects xmlns:a14="http://schemas.microsoft.com/office/drawing/2010/main">
+                  <a:effectLst>
+                    <a:outerShdw dist="35921" dir="2700000" algn="ctr" rotWithShape="0">
+                      <a:schemeClr val="bg2"/>
+                    </a:outerShdw>
+                  </a:effectLst>
+                </a14:hiddenEffects>
               </a:ext>
             </a:extLst>
-          </p:cNvPr>
-          <p:cNvSpPr>
-            <a:spLocks noChangeShapeType="1"/>
-          </p:cNvSpPr>
-          <p:nvPr/>
-        </p:nvSpPr>
-        <p:spPr bwMode="auto">
-          <a:xfrm flipV="1">
-            <a:off x="8023340" y="5306806"/>
-            <a:ext cx="3714559" cy="0"/>
-          </a:xfrm>
-          <a:prstGeom prst="line">
-            <a:avLst/>
-          </a:prstGeom>
-          <a:noFill/>
-          <a:ln w="12700">
+          </p:spPr>
+          <p:txBody>
+            <a:bodyPr wrap="none" anchor="ctr"/>
+            <a:lstStyle/>
+            <a:p>
+              <a:endParaRPr lang="en-US" dirty="0"/>
+            </a:p>
+          </p:txBody>
+        </p:sp>
+        <p:sp>
+          <p:nvSpPr>
+            <p:cNvPr id="15" name="Oval 14">
+              <a:extLst>
+                <a:ext uri="{FF2B5EF4-FFF2-40B4-BE49-F238E27FC236}">
+                  <a16:creationId xmlns:a16="http://schemas.microsoft.com/office/drawing/2014/main" id="{2A6AEA69-2400-4EB6-9C0A-42752D83E85D}"/>
+                </a:ext>
+              </a:extLst>
+            </p:cNvPr>
+            <p:cNvSpPr>
+              <a:spLocks noChangeArrowheads="1"/>
+            </p:cNvSpPr>
+            <p:nvPr/>
+          </p:nvSpPr>
+          <p:spPr bwMode="auto">
+            <a:xfrm>
+              <a:off x="9699740" y="3212046"/>
+              <a:ext cx="152400" cy="152400"/>
+            </a:xfrm>
+            <a:prstGeom prst="ellipse">
+              <a:avLst/>
+            </a:prstGeom>
             <a:solidFill>
-              <a:schemeClr val="tx1"/>
+              <a:schemeClr val="accent4">
+                <a:lumMod val="75000"/>
+              </a:schemeClr>
             </a:solidFill>
-            <a:miter lim="800000"/>
-            <a:headEnd/>
-            <a:tailEnd type="triangle" w="med" len="med"/>
-          </a:ln>
-          <a:effectLst/>
-          <a:extLst>
-            <a:ext uri="{909E8E84-426E-40DD-AFC4-6F175D3DCCD1}">
-              <a14:hiddenFill xmlns:a14="http://schemas.microsoft.com/office/drawing/2010/main">
-                <a:noFill/>
-              </a14:hiddenFill>
-            </a:ext>
-            <a:ext uri="{AF507438-7753-43E0-B8FC-AC1667EBCBE1}">
-              <a14:hiddenEffects xmlns:a14="http://schemas.microsoft.com/office/drawing/2010/main">
-                <a:effectLst>
-                  <a:outerShdw dist="35921" dir="2700000" algn="ctr" rotWithShape="0">
-                    <a:schemeClr val="bg2"/>
-                  </a:outerShdw>
-                </a:effectLst>
-              </a14:hiddenEffects>
-            </a:ext>
-          </a:extLst>
-        </p:spPr>
-        <p:txBody>
-          <a:bodyPr wrap="none"/>
-          <a:lstStyle/>
-          <a:p>
-            <a:endParaRPr lang="en-US"/>
-          </a:p>
-        </p:txBody>
-      </p:sp>
-      <p:sp>
-        <p:nvSpPr>
-          <p:cNvPr id="14" name="Oval 13">
+            <a:ln w="9525">
+              <a:solidFill>
+                <a:schemeClr val="tx1"/>
+              </a:solidFill>
+              <a:miter lim="800000"/>
+              <a:headEnd/>
+              <a:tailEnd/>
+            </a:ln>
+            <a:effectLst/>
             <a:extLst>
-              <a:ext uri="{FF2B5EF4-FFF2-40B4-BE49-F238E27FC236}">
-                <a16:creationId xmlns:a16="http://schemas.microsoft.com/office/drawing/2014/main" id="{9FDD8541-B38E-4929-82AE-E823D2CE2C87}"/>
+              <a:ext uri="{AF507438-7753-43E0-B8FC-AC1667EBCBE1}">
+                <a14:hiddenEffects xmlns:a14="http://schemas.microsoft.com/office/drawing/2010/main">
+                  <a:effectLst>
+                    <a:outerShdw dist="35921" dir="2700000" algn="ctr" rotWithShape="0">
+                      <a:schemeClr val="bg2"/>
+                    </a:outerShdw>
+                  </a:effectLst>
+                </a14:hiddenEffects>
               </a:ext>
             </a:extLst>
-          </p:cNvPr>
-          <p:cNvSpPr>
-            <a:spLocks noChangeArrowheads="1"/>
-          </p:cNvSpPr>
-          <p:nvPr/>
-        </p:nvSpPr>
-        <p:spPr bwMode="auto">
-          <a:xfrm>
-            <a:off x="10127697" y="2375608"/>
-            <a:ext cx="152400" cy="152400"/>
-          </a:xfrm>
-          <a:prstGeom prst="ellipse">
-            <a:avLst/>
-          </a:prstGeom>
-          <a:solidFill>
-            <a:schemeClr val="accent4">
-              <a:lumMod val="75000"/>
-            </a:schemeClr>
-          </a:solidFill>
-          <a:ln w="9525">
+          </p:spPr>
+          <p:txBody>
+            <a:bodyPr wrap="none" anchor="ctr"/>
+            <a:lstStyle/>
+            <a:p>
+              <a:endParaRPr lang="en-US" dirty="0"/>
+            </a:p>
+          </p:txBody>
+        </p:sp>
+        <p:sp>
+          <p:nvSpPr>
+            <p:cNvPr id="16" name="Oval 15">
+              <a:extLst>
+                <a:ext uri="{FF2B5EF4-FFF2-40B4-BE49-F238E27FC236}">
+                  <a16:creationId xmlns:a16="http://schemas.microsoft.com/office/drawing/2014/main" id="{50FBE416-D134-407D-98D9-113FD39587E3}"/>
+                </a:ext>
+              </a:extLst>
+            </p:cNvPr>
+            <p:cNvSpPr>
+              <a:spLocks noChangeArrowheads="1"/>
+            </p:cNvSpPr>
+            <p:nvPr/>
+          </p:nvSpPr>
+          <p:spPr bwMode="auto">
+            <a:xfrm>
+              <a:off x="9623541" y="2716006"/>
+              <a:ext cx="152400" cy="152400"/>
+            </a:xfrm>
+            <a:prstGeom prst="ellipse">
+              <a:avLst/>
+            </a:prstGeom>
             <a:solidFill>
-              <a:schemeClr val="tx1"/>
+              <a:schemeClr val="accent4">
+                <a:lumMod val="75000"/>
+              </a:schemeClr>
             </a:solidFill>
-            <a:miter lim="800000"/>
-            <a:headEnd/>
-            <a:tailEnd/>
-          </a:ln>
-          <a:effectLst/>
-          <a:extLst>
-            <a:ext uri="{AF507438-7753-43E0-B8FC-AC1667EBCBE1}">
-              <a14:hiddenEffects xmlns:a14="http://schemas.microsoft.com/office/drawing/2010/main">
-                <a:effectLst>
-                  <a:outerShdw dist="35921" dir="2700000" algn="ctr" rotWithShape="0">
-                    <a:schemeClr val="bg2"/>
-                  </a:outerShdw>
-                </a:effectLst>
-              </a14:hiddenEffects>
-            </a:ext>
-          </a:extLst>
-        </p:spPr>
-        <p:txBody>
-          <a:bodyPr wrap="none" anchor="ctr"/>
-          <a:lstStyle/>
-          <a:p>
-            <a:endParaRPr lang="en-US" dirty="0"/>
-          </a:p>
-        </p:txBody>
-      </p:sp>
-      <p:sp>
-        <p:nvSpPr>
-          <p:cNvPr id="15" name="Oval 14">
+            <a:ln w="9525">
+              <a:solidFill>
+                <a:schemeClr val="tx1"/>
+              </a:solidFill>
+              <a:miter lim="800000"/>
+              <a:headEnd/>
+              <a:tailEnd/>
+            </a:ln>
+            <a:effectLst/>
             <a:extLst>
-              <a:ext uri="{FF2B5EF4-FFF2-40B4-BE49-F238E27FC236}">
-                <a16:creationId xmlns:a16="http://schemas.microsoft.com/office/drawing/2014/main" id="{2A6AEA69-2400-4EB6-9C0A-42752D83E85D}"/>
+              <a:ext uri="{AF507438-7753-43E0-B8FC-AC1667EBCBE1}">
+                <a14:hiddenEffects xmlns:a14="http://schemas.microsoft.com/office/drawing/2010/main">
+                  <a:effectLst>
+                    <a:outerShdw dist="35921" dir="2700000" algn="ctr" rotWithShape="0">
+                      <a:schemeClr val="bg2"/>
+                    </a:outerShdw>
+                  </a:effectLst>
+                </a14:hiddenEffects>
               </a:ext>
             </a:extLst>
-          </p:cNvPr>
-          <p:cNvSpPr>
-            <a:spLocks noChangeArrowheads="1"/>
-          </p:cNvSpPr>
-          <p:nvPr/>
-        </p:nvSpPr>
-        <p:spPr bwMode="auto">
-          <a:xfrm>
-            <a:off x="9699740" y="3212046"/>
-            <a:ext cx="152400" cy="152400"/>
-          </a:xfrm>
-          <a:prstGeom prst="ellipse">
-            <a:avLst/>
-          </a:prstGeom>
-          <a:solidFill>
-            <a:schemeClr val="accent4">
-              <a:lumMod val="75000"/>
-            </a:schemeClr>
-          </a:solidFill>
-          <a:ln w="9525">
+          </p:spPr>
+          <p:txBody>
+            <a:bodyPr wrap="none" anchor="ctr"/>
+            <a:lstStyle/>
+            <a:p>
+              <a:endParaRPr lang="en-US" dirty="0"/>
+            </a:p>
+          </p:txBody>
+        </p:sp>
+        <p:sp>
+          <p:nvSpPr>
+            <p:cNvPr id="17" name="Oval 16">
+              <a:extLst>
+                <a:ext uri="{FF2B5EF4-FFF2-40B4-BE49-F238E27FC236}">
+                  <a16:creationId xmlns:a16="http://schemas.microsoft.com/office/drawing/2014/main" id="{11EEBBA7-7079-49FE-A508-55D20B1F9BA8}"/>
+                </a:ext>
+              </a:extLst>
+            </p:cNvPr>
+            <p:cNvSpPr>
+              <a:spLocks noChangeArrowheads="1"/>
+            </p:cNvSpPr>
+            <p:nvPr/>
+          </p:nvSpPr>
+          <p:spPr bwMode="auto">
+            <a:xfrm>
+              <a:off x="9394941" y="2106406"/>
+              <a:ext cx="152400" cy="152400"/>
+            </a:xfrm>
+            <a:prstGeom prst="ellipse">
+              <a:avLst/>
+            </a:prstGeom>
             <a:solidFill>
-              <a:schemeClr val="tx1"/>
+              <a:schemeClr val="accent4">
+                <a:lumMod val="75000"/>
+              </a:schemeClr>
             </a:solidFill>
-            <a:miter lim="800000"/>
-            <a:headEnd/>
-            <a:tailEnd/>
-          </a:ln>
-          <a:effectLst/>
-          <a:extLst>
-            <a:ext uri="{AF507438-7753-43E0-B8FC-AC1667EBCBE1}">
-              <a14:hiddenEffects xmlns:a14="http://schemas.microsoft.com/office/drawing/2010/main">
-                <a:effectLst>
-                  <a:outerShdw dist="35921" dir="2700000" algn="ctr" rotWithShape="0">
-                    <a:schemeClr val="bg2"/>
-                  </a:outerShdw>
-                </a:effectLst>
-              </a14:hiddenEffects>
-            </a:ext>
-          </a:extLst>
-        </p:spPr>
-        <p:txBody>
-          <a:bodyPr wrap="none" anchor="ctr"/>
-          <a:lstStyle/>
-          <a:p>
-            <a:endParaRPr lang="en-US" dirty="0"/>
-          </a:p>
-        </p:txBody>
-      </p:sp>
-      <p:sp>
-        <p:nvSpPr>
-          <p:cNvPr id="16" name="Oval 15">
+            <a:ln w="9525">
+              <a:solidFill>
+                <a:schemeClr val="tx1"/>
+              </a:solidFill>
+              <a:miter lim="800000"/>
+              <a:headEnd/>
+              <a:tailEnd/>
+            </a:ln>
+            <a:effectLst/>
             <a:extLst>
-              <a:ext uri="{FF2B5EF4-FFF2-40B4-BE49-F238E27FC236}">
-                <a16:creationId xmlns:a16="http://schemas.microsoft.com/office/drawing/2014/main" id="{50FBE416-D134-407D-98D9-113FD39587E3}"/>
+              <a:ext uri="{AF507438-7753-43E0-B8FC-AC1667EBCBE1}">
+                <a14:hiddenEffects xmlns:a14="http://schemas.microsoft.com/office/drawing/2010/main">
+                  <a:effectLst>
+                    <a:outerShdw dist="35921" dir="2700000" algn="ctr" rotWithShape="0">
+                      <a:schemeClr val="bg2"/>
+                    </a:outerShdw>
+                  </a:effectLst>
+                </a14:hiddenEffects>
               </a:ext>
             </a:extLst>
-          </p:cNvPr>
-          <p:cNvSpPr>
-            <a:spLocks noChangeArrowheads="1"/>
-          </p:cNvSpPr>
-          <p:nvPr/>
-        </p:nvSpPr>
-        <p:spPr bwMode="auto">
-          <a:xfrm>
-            <a:off x="9623541" y="2716006"/>
-            <a:ext cx="152400" cy="152400"/>
-          </a:xfrm>
-          <a:prstGeom prst="ellipse">
-            <a:avLst/>
-          </a:prstGeom>
-          <a:solidFill>
-            <a:schemeClr val="accent4">
-              <a:lumMod val="75000"/>
-            </a:schemeClr>
-          </a:solidFill>
-          <a:ln w="9525">
+          </p:spPr>
+          <p:txBody>
+            <a:bodyPr wrap="none" anchor="ctr"/>
+            <a:lstStyle/>
+            <a:p>
+              <a:endParaRPr lang="en-US"/>
+            </a:p>
+          </p:txBody>
+        </p:sp>
+        <p:sp>
+          <p:nvSpPr>
+            <p:cNvPr id="18" name="Oval 17">
+              <a:extLst>
+                <a:ext uri="{FF2B5EF4-FFF2-40B4-BE49-F238E27FC236}">
+                  <a16:creationId xmlns:a16="http://schemas.microsoft.com/office/drawing/2014/main" id="{9B9BDD90-6816-4EE3-9A6D-76E02551AA8C}"/>
+                </a:ext>
+              </a:extLst>
+            </p:cNvPr>
+            <p:cNvSpPr>
+              <a:spLocks noChangeArrowheads="1"/>
+            </p:cNvSpPr>
+            <p:nvPr/>
+          </p:nvSpPr>
+          <p:spPr bwMode="auto">
+            <a:xfrm>
+              <a:off x="8937740" y="2258806"/>
+              <a:ext cx="152400" cy="152400"/>
+            </a:xfrm>
+            <a:prstGeom prst="ellipse">
+              <a:avLst/>
+            </a:prstGeom>
             <a:solidFill>
-              <a:schemeClr val="tx1"/>
+              <a:schemeClr val="accent4">
+                <a:lumMod val="75000"/>
+              </a:schemeClr>
             </a:solidFill>
-            <a:miter lim="800000"/>
-            <a:headEnd/>
-            <a:tailEnd/>
-          </a:ln>
-          <a:effectLst/>
-          <a:extLst>
-            <a:ext uri="{AF507438-7753-43E0-B8FC-AC1667EBCBE1}">
-              <a14:hiddenEffects xmlns:a14="http://schemas.microsoft.com/office/drawing/2010/main">
-                <a:effectLst>
-                  <a:outerShdw dist="35921" dir="2700000" algn="ctr" rotWithShape="0">
-                    <a:schemeClr val="bg2"/>
-                  </a:outerShdw>
-                </a:effectLst>
-              </a14:hiddenEffects>
-            </a:ext>
-          </a:extLst>
-        </p:spPr>
-        <p:txBody>
-          <a:bodyPr wrap="none" anchor="ctr"/>
-          <a:lstStyle/>
-          <a:p>
-            <a:endParaRPr lang="en-US" dirty="0"/>
-          </a:p>
-        </p:txBody>
-      </p:sp>
-      <p:sp>
-        <p:nvSpPr>
-          <p:cNvPr id="17" name="Oval 16">
+            <a:ln w="9525">
+              <a:solidFill>
+                <a:schemeClr val="tx1"/>
+              </a:solidFill>
+              <a:miter lim="800000"/>
+              <a:headEnd/>
+              <a:tailEnd/>
+            </a:ln>
+            <a:effectLst/>
             <a:extLst>
-              <a:ext uri="{FF2B5EF4-FFF2-40B4-BE49-F238E27FC236}">
-                <a16:creationId xmlns:a16="http://schemas.microsoft.com/office/drawing/2014/main" id="{11EEBBA7-7079-49FE-A508-55D20B1F9BA8}"/>
+              <a:ext uri="{AF507438-7753-43E0-B8FC-AC1667EBCBE1}">
+                <a14:hiddenEffects xmlns:a14="http://schemas.microsoft.com/office/drawing/2010/main">
+                  <a:effectLst>
+                    <a:outerShdw dist="35921" dir="2700000" algn="ctr" rotWithShape="0">
+                      <a:schemeClr val="bg2"/>
+                    </a:outerShdw>
+                  </a:effectLst>
+                </a14:hiddenEffects>
               </a:ext>
             </a:extLst>
-          </p:cNvPr>
-          <p:cNvSpPr>
-            <a:spLocks noChangeArrowheads="1"/>
-          </p:cNvSpPr>
-          <p:nvPr/>
-        </p:nvSpPr>
-        <p:spPr bwMode="auto">
-          <a:xfrm>
-            <a:off x="9394941" y="2106406"/>
-            <a:ext cx="152400" cy="152400"/>
-          </a:xfrm>
-          <a:prstGeom prst="ellipse">
-            <a:avLst/>
-          </a:prstGeom>
-          <a:solidFill>
-            <a:schemeClr val="accent4">
-              <a:lumMod val="75000"/>
-            </a:schemeClr>
-          </a:solidFill>
-          <a:ln w="9525">
+          </p:spPr>
+          <p:txBody>
+            <a:bodyPr wrap="none" anchor="ctr"/>
+            <a:lstStyle/>
+            <a:p>
+              <a:endParaRPr lang="en-US" dirty="0"/>
+            </a:p>
+          </p:txBody>
+        </p:sp>
+        <p:sp>
+          <p:nvSpPr>
+            <p:cNvPr id="19" name="Rectangle 18">
+              <a:extLst>
+                <a:ext uri="{FF2B5EF4-FFF2-40B4-BE49-F238E27FC236}">
+                  <a16:creationId xmlns:a16="http://schemas.microsoft.com/office/drawing/2014/main" id="{F4D879AA-3B07-48B3-BAD8-3BDDA4D1CEC9}"/>
+                </a:ext>
+              </a:extLst>
+            </p:cNvPr>
+            <p:cNvSpPr>
+              <a:spLocks noChangeArrowheads="1"/>
+            </p:cNvSpPr>
+            <p:nvPr/>
+          </p:nvSpPr>
+          <p:spPr bwMode="auto">
+            <a:xfrm>
+              <a:off x="8328140" y="3782806"/>
+              <a:ext cx="152400" cy="152400"/>
+            </a:xfrm>
+            <a:prstGeom prst="rect">
+              <a:avLst/>
+            </a:prstGeom>
             <a:solidFill>
-              <a:schemeClr val="tx1"/>
+              <a:schemeClr val="hlink"/>
             </a:solidFill>
-            <a:miter lim="800000"/>
-            <a:headEnd/>
-            <a:tailEnd/>
-          </a:ln>
-          <a:effectLst/>
-          <a:extLst>
-            <a:ext uri="{AF507438-7753-43E0-B8FC-AC1667EBCBE1}">
-              <a14:hiddenEffects xmlns:a14="http://schemas.microsoft.com/office/drawing/2010/main">
-                <a:effectLst>
-                  <a:outerShdw dist="35921" dir="2700000" algn="ctr" rotWithShape="0">
-                    <a:schemeClr val="bg2"/>
-                  </a:outerShdw>
-                </a:effectLst>
-              </a14:hiddenEffects>
-            </a:ext>
-          </a:extLst>
-        </p:spPr>
-        <p:txBody>
-          <a:bodyPr wrap="none" anchor="ctr"/>
-          <a:lstStyle/>
-          <a:p>
-            <a:endParaRPr lang="en-US"/>
-          </a:p>
-        </p:txBody>
-      </p:sp>
-      <p:sp>
-        <p:nvSpPr>
-          <p:cNvPr id="18" name="Oval 17">
+            <a:ln w="9525">
+              <a:solidFill>
+                <a:schemeClr val="tx1"/>
+              </a:solidFill>
+              <a:miter lim="800000"/>
+              <a:headEnd/>
+              <a:tailEnd/>
+            </a:ln>
+            <a:effectLst/>
             <a:extLst>
-              <a:ext uri="{FF2B5EF4-FFF2-40B4-BE49-F238E27FC236}">
-                <a16:creationId xmlns:a16="http://schemas.microsoft.com/office/drawing/2014/main" id="{9B9BDD90-6816-4EE3-9A6D-76E02551AA8C}"/>
+              <a:ext uri="{AF507438-7753-43E0-B8FC-AC1667EBCBE1}">
+                <a14:hiddenEffects xmlns:a14="http://schemas.microsoft.com/office/drawing/2010/main">
+                  <a:effectLst>
+                    <a:outerShdw dist="35921" dir="2700000" algn="ctr" rotWithShape="0">
+                      <a:schemeClr val="bg2"/>
+                    </a:outerShdw>
+                  </a:effectLst>
+                </a14:hiddenEffects>
               </a:ext>
             </a:extLst>
-          </p:cNvPr>
-          <p:cNvSpPr>
-            <a:spLocks noChangeArrowheads="1"/>
-          </p:cNvSpPr>
-          <p:nvPr/>
-        </p:nvSpPr>
-        <p:spPr bwMode="auto">
-          <a:xfrm>
-            <a:off x="8937740" y="2258806"/>
-            <a:ext cx="152400" cy="152400"/>
-          </a:xfrm>
-          <a:prstGeom prst="ellipse">
-            <a:avLst/>
-          </a:prstGeom>
-          <a:solidFill>
-            <a:schemeClr val="accent4">
-              <a:lumMod val="75000"/>
-            </a:schemeClr>
-          </a:solidFill>
-          <a:ln w="9525">
+          </p:spPr>
+          <p:txBody>
+            <a:bodyPr wrap="none" anchor="ctr"/>
+            <a:lstStyle/>
+            <a:p>
+              <a:endParaRPr lang="en-US"/>
+            </a:p>
+          </p:txBody>
+        </p:sp>
+        <p:sp>
+          <p:nvSpPr>
+            <p:cNvPr id="20" name="Rectangle 19">
+              <a:extLst>
+                <a:ext uri="{FF2B5EF4-FFF2-40B4-BE49-F238E27FC236}">
+                  <a16:creationId xmlns:a16="http://schemas.microsoft.com/office/drawing/2014/main" id="{C619F62F-2550-4EDC-9B92-51F9BB625DA6}"/>
+                </a:ext>
+              </a:extLst>
+            </p:cNvPr>
+            <p:cNvSpPr>
+              <a:spLocks noChangeArrowheads="1"/>
+            </p:cNvSpPr>
+            <p:nvPr/>
+          </p:nvSpPr>
+          <p:spPr bwMode="auto">
+            <a:xfrm>
+              <a:off x="9547340" y="4240006"/>
+              <a:ext cx="152400" cy="152400"/>
+            </a:xfrm>
+            <a:prstGeom prst="rect">
+              <a:avLst/>
+            </a:prstGeom>
             <a:solidFill>
-              <a:schemeClr val="tx1"/>
+              <a:schemeClr val="hlink"/>
             </a:solidFill>
-            <a:miter lim="800000"/>
-            <a:headEnd/>
-            <a:tailEnd/>
-          </a:ln>
-          <a:effectLst/>
-          <a:extLst>
-            <a:ext uri="{AF507438-7753-43E0-B8FC-AC1667EBCBE1}">
-              <a14:hiddenEffects xmlns:a14="http://schemas.microsoft.com/office/drawing/2010/main">
-                <a:effectLst>
-                  <a:outerShdw dist="35921" dir="2700000" algn="ctr" rotWithShape="0">
-                    <a:schemeClr val="bg2"/>
-                  </a:outerShdw>
-                </a:effectLst>
-              </a14:hiddenEffects>
-            </a:ext>
-          </a:extLst>
-        </p:spPr>
-        <p:txBody>
-          <a:bodyPr wrap="none" anchor="ctr"/>
-          <a:lstStyle/>
-          <a:p>
-            <a:endParaRPr lang="en-US" dirty="0"/>
-          </a:p>
-        </p:txBody>
-      </p:sp>
-      <p:sp>
-        <p:nvSpPr>
-          <p:cNvPr id="19" name="Rectangle 18">
+            <a:ln w="9525">
+              <a:solidFill>
+                <a:schemeClr val="tx1"/>
+              </a:solidFill>
+              <a:miter lim="800000"/>
+              <a:headEnd/>
+              <a:tailEnd/>
+            </a:ln>
+            <a:effectLst/>
             <a:extLst>
-              <a:ext uri="{FF2B5EF4-FFF2-40B4-BE49-F238E27FC236}">
-                <a16:creationId xmlns:a16="http://schemas.microsoft.com/office/drawing/2014/main" id="{F4D879AA-3B07-48B3-BAD8-3BDDA4D1CEC9}"/>
+              <a:ext uri="{AF507438-7753-43E0-B8FC-AC1667EBCBE1}">
+                <a14:hiddenEffects xmlns:a14="http://schemas.microsoft.com/office/drawing/2010/main">
+                  <a:effectLst>
+                    <a:outerShdw dist="35921" dir="2700000" algn="ctr" rotWithShape="0">
+                      <a:schemeClr val="bg2"/>
+                    </a:outerShdw>
+                  </a:effectLst>
+                </a14:hiddenEffects>
               </a:ext>
             </a:extLst>
-          </p:cNvPr>
-          <p:cNvSpPr>
-            <a:spLocks noChangeArrowheads="1"/>
-          </p:cNvSpPr>
-          <p:nvPr/>
-        </p:nvSpPr>
-        <p:spPr bwMode="auto">
-          <a:xfrm>
-            <a:off x="8328140" y="3782806"/>
-            <a:ext cx="152400" cy="152400"/>
-          </a:xfrm>
-          <a:prstGeom prst="rect">
-            <a:avLst/>
-          </a:prstGeom>
-          <a:solidFill>
-            <a:schemeClr val="hlink"/>
-          </a:solidFill>
-          <a:ln w="9525">
+          </p:spPr>
+          <p:txBody>
+            <a:bodyPr wrap="none" anchor="ctr"/>
+            <a:lstStyle/>
+            <a:p>
+              <a:endParaRPr lang="en-US" dirty="0"/>
+            </a:p>
+          </p:txBody>
+        </p:sp>
+        <p:sp>
+          <p:nvSpPr>
+            <p:cNvPr id="21" name="Rectangle 20">
+              <a:extLst>
+                <a:ext uri="{FF2B5EF4-FFF2-40B4-BE49-F238E27FC236}">
+                  <a16:creationId xmlns:a16="http://schemas.microsoft.com/office/drawing/2014/main" id="{8071718C-C4C4-49E0-B34B-9D35DE6C199E}"/>
+                </a:ext>
+              </a:extLst>
+            </p:cNvPr>
+            <p:cNvSpPr>
+              <a:spLocks noChangeArrowheads="1"/>
+            </p:cNvSpPr>
+            <p:nvPr/>
+          </p:nvSpPr>
+          <p:spPr bwMode="auto">
+            <a:xfrm>
+              <a:off x="9366365" y="4849606"/>
+              <a:ext cx="152400" cy="152400"/>
+            </a:xfrm>
+            <a:prstGeom prst="rect">
+              <a:avLst/>
+            </a:prstGeom>
             <a:solidFill>
-              <a:schemeClr val="tx1"/>
+              <a:schemeClr val="hlink"/>
             </a:solidFill>
-            <a:miter lim="800000"/>
-            <a:headEnd/>
-            <a:tailEnd/>
-          </a:ln>
-          <a:effectLst/>
-          <a:extLst>
-            <a:ext uri="{AF507438-7753-43E0-B8FC-AC1667EBCBE1}">
-              <a14:hiddenEffects xmlns:a14="http://schemas.microsoft.com/office/drawing/2010/main">
-                <a:effectLst>
-                  <a:outerShdw dist="35921" dir="2700000" algn="ctr" rotWithShape="0">
-                    <a:schemeClr val="bg2"/>
-                  </a:outerShdw>
-                </a:effectLst>
-              </a14:hiddenEffects>
-            </a:ext>
-          </a:extLst>
-        </p:spPr>
-        <p:txBody>
-          <a:bodyPr wrap="none" anchor="ctr"/>
-          <a:lstStyle/>
-          <a:p>
-            <a:endParaRPr lang="en-US"/>
-          </a:p>
-        </p:txBody>
-      </p:sp>
-      <p:sp>
-        <p:nvSpPr>
-          <p:cNvPr id="20" name="Rectangle 19">
+            <a:ln w="9525">
+              <a:solidFill>
+                <a:schemeClr val="tx1"/>
+              </a:solidFill>
+              <a:miter lim="800000"/>
+              <a:headEnd/>
+              <a:tailEnd/>
+            </a:ln>
+            <a:effectLst/>
             <a:extLst>
-              <a:ext uri="{FF2B5EF4-FFF2-40B4-BE49-F238E27FC236}">
-                <a16:creationId xmlns:a16="http://schemas.microsoft.com/office/drawing/2014/main" id="{C619F62F-2550-4EDC-9B92-51F9BB625DA6}"/>
+              <a:ext uri="{AF507438-7753-43E0-B8FC-AC1667EBCBE1}">
+                <a14:hiddenEffects xmlns:a14="http://schemas.microsoft.com/office/drawing/2010/main">
+                  <a:effectLst>
+                    <a:outerShdw dist="35921" dir="2700000" algn="ctr" rotWithShape="0">
+                      <a:schemeClr val="bg2"/>
+                    </a:outerShdw>
+                  </a:effectLst>
+                </a14:hiddenEffects>
               </a:ext>
             </a:extLst>
-          </p:cNvPr>
-          <p:cNvSpPr>
-            <a:spLocks noChangeArrowheads="1"/>
-          </p:cNvSpPr>
-          <p:nvPr/>
-        </p:nvSpPr>
-        <p:spPr bwMode="auto">
-          <a:xfrm>
-            <a:off x="9547340" y="4240006"/>
-            <a:ext cx="152400" cy="152400"/>
-          </a:xfrm>
-          <a:prstGeom prst="rect">
-            <a:avLst/>
-          </a:prstGeom>
-          <a:solidFill>
-            <a:schemeClr val="hlink"/>
-          </a:solidFill>
-          <a:ln w="9525">
+          </p:spPr>
+          <p:txBody>
+            <a:bodyPr wrap="none" anchor="ctr"/>
+            <a:lstStyle/>
+            <a:p>
+              <a:endParaRPr lang="en-US"/>
+            </a:p>
+          </p:txBody>
+        </p:sp>
+        <p:sp>
+          <p:nvSpPr>
+            <p:cNvPr id="22" name="Rectangle 21">
+              <a:extLst>
+                <a:ext uri="{FF2B5EF4-FFF2-40B4-BE49-F238E27FC236}">
+                  <a16:creationId xmlns:a16="http://schemas.microsoft.com/office/drawing/2014/main" id="{ACFB62DD-DFBA-4945-BA54-C28C619E95D2}"/>
+                </a:ext>
+              </a:extLst>
+            </p:cNvPr>
+            <p:cNvSpPr>
+              <a:spLocks noChangeArrowheads="1"/>
+            </p:cNvSpPr>
+            <p:nvPr/>
+          </p:nvSpPr>
+          <p:spPr bwMode="auto">
+            <a:xfrm>
+              <a:off x="8785340" y="4240006"/>
+              <a:ext cx="152400" cy="152400"/>
+            </a:xfrm>
+            <a:prstGeom prst="rect">
+              <a:avLst/>
+            </a:prstGeom>
             <a:solidFill>
-              <a:schemeClr val="tx1"/>
+              <a:schemeClr val="hlink"/>
             </a:solidFill>
-            <a:miter lim="800000"/>
-            <a:headEnd/>
-            <a:tailEnd/>
-          </a:ln>
-          <a:effectLst/>
-          <a:extLst>
-            <a:ext uri="{AF507438-7753-43E0-B8FC-AC1667EBCBE1}">
-              <a14:hiddenEffects xmlns:a14="http://schemas.microsoft.com/office/drawing/2010/main">
-                <a:effectLst>
-                  <a:outerShdw dist="35921" dir="2700000" algn="ctr" rotWithShape="0">
-                    <a:schemeClr val="bg2"/>
-                  </a:outerShdw>
-                </a:effectLst>
-              </a14:hiddenEffects>
-            </a:ext>
-          </a:extLst>
-        </p:spPr>
-        <p:txBody>
-          <a:bodyPr wrap="none" anchor="ctr"/>
-          <a:lstStyle/>
-          <a:p>
-            <a:endParaRPr lang="en-US" dirty="0"/>
-          </a:p>
-        </p:txBody>
-      </p:sp>
-      <p:sp>
-        <p:nvSpPr>
-          <p:cNvPr id="21" name="Rectangle 20">
+            <a:ln w="9525">
+              <a:solidFill>
+                <a:schemeClr val="tx1"/>
+              </a:solidFill>
+              <a:miter lim="800000"/>
+              <a:headEnd/>
+              <a:tailEnd/>
+            </a:ln>
+            <a:effectLst/>
             <a:extLst>
-              <a:ext uri="{FF2B5EF4-FFF2-40B4-BE49-F238E27FC236}">
-                <a16:creationId xmlns:a16="http://schemas.microsoft.com/office/drawing/2014/main" id="{8071718C-C4C4-49E0-B34B-9D35DE6C199E}"/>
+              <a:ext uri="{AF507438-7753-43E0-B8FC-AC1667EBCBE1}">
+                <a14:hiddenEffects xmlns:a14="http://schemas.microsoft.com/office/drawing/2010/main">
+                  <a:effectLst>
+                    <a:outerShdw dist="35921" dir="2700000" algn="ctr" rotWithShape="0">
+                      <a:schemeClr val="bg2"/>
+                    </a:outerShdw>
+                  </a:effectLst>
+                </a14:hiddenEffects>
               </a:ext>
             </a:extLst>
-          </p:cNvPr>
-          <p:cNvSpPr>
-            <a:spLocks noChangeArrowheads="1"/>
-          </p:cNvSpPr>
-          <p:nvPr/>
-        </p:nvSpPr>
-        <p:spPr bwMode="auto">
-          <a:xfrm>
-            <a:off x="9366365" y="4849606"/>
-            <a:ext cx="152400" cy="152400"/>
-          </a:xfrm>
-          <a:prstGeom prst="rect">
-            <a:avLst/>
-          </a:prstGeom>
-          <a:solidFill>
-            <a:schemeClr val="hlink"/>
-          </a:solidFill>
-          <a:ln w="9525">
+          </p:spPr>
+          <p:txBody>
+            <a:bodyPr wrap="none" anchor="ctr"/>
+            <a:lstStyle/>
+            <a:p>
+              <a:endParaRPr lang="en-US"/>
+            </a:p>
+          </p:txBody>
+        </p:sp>
+        <p:sp>
+          <p:nvSpPr>
+            <p:cNvPr id="23" name="Rectangle 22">
+              <a:extLst>
+                <a:ext uri="{FF2B5EF4-FFF2-40B4-BE49-F238E27FC236}">
+                  <a16:creationId xmlns:a16="http://schemas.microsoft.com/office/drawing/2014/main" id="{6B6C6C4E-0933-4B30-938C-E9DC256787DB}"/>
+                </a:ext>
+              </a:extLst>
+            </p:cNvPr>
+            <p:cNvSpPr>
+              <a:spLocks noChangeArrowheads="1"/>
+            </p:cNvSpPr>
+            <p:nvPr/>
+          </p:nvSpPr>
+          <p:spPr bwMode="auto">
+            <a:xfrm>
+              <a:off x="8480540" y="4621006"/>
+              <a:ext cx="152400" cy="152400"/>
+            </a:xfrm>
+            <a:prstGeom prst="rect">
+              <a:avLst/>
+            </a:prstGeom>
             <a:solidFill>
-              <a:schemeClr val="tx1"/>
+              <a:schemeClr val="hlink"/>
             </a:solidFill>
-            <a:miter lim="800000"/>
-            <a:headEnd/>
-            <a:tailEnd/>
-          </a:ln>
-          <a:effectLst/>
-          <a:extLst>
-            <a:ext uri="{AF507438-7753-43E0-B8FC-AC1667EBCBE1}">
-              <a14:hiddenEffects xmlns:a14="http://schemas.microsoft.com/office/drawing/2010/main">
-                <a:effectLst>
-                  <a:outerShdw dist="35921" dir="2700000" algn="ctr" rotWithShape="0">
-                    <a:schemeClr val="bg2"/>
-                  </a:outerShdw>
-                </a:effectLst>
-              </a14:hiddenEffects>
-            </a:ext>
-          </a:extLst>
-        </p:spPr>
-        <p:txBody>
-          <a:bodyPr wrap="none" anchor="ctr"/>
-          <a:lstStyle/>
-          <a:p>
-            <a:endParaRPr lang="en-US"/>
-          </a:p>
-        </p:txBody>
-      </p:sp>
-      <p:sp>
-        <p:nvSpPr>
-          <p:cNvPr id="22" name="Rectangle 21">
+            <a:ln w="9525">
+              <a:solidFill>
+                <a:schemeClr val="tx1"/>
+              </a:solidFill>
+              <a:miter lim="800000"/>
+              <a:headEnd/>
+              <a:tailEnd/>
+            </a:ln>
+            <a:effectLst/>
             <a:extLst>
-              <a:ext uri="{FF2B5EF4-FFF2-40B4-BE49-F238E27FC236}">
-                <a16:creationId xmlns:a16="http://schemas.microsoft.com/office/drawing/2014/main" id="{ACFB62DD-DFBA-4945-BA54-C28C619E95D2}"/>
+              <a:ext uri="{AF507438-7753-43E0-B8FC-AC1667EBCBE1}">
+                <a14:hiddenEffects xmlns:a14="http://schemas.microsoft.com/office/drawing/2010/main">
+                  <a:effectLst>
+                    <a:outerShdw dist="35921" dir="2700000" algn="ctr" rotWithShape="0">
+                      <a:schemeClr val="bg2"/>
+                    </a:outerShdw>
+                  </a:effectLst>
+                </a14:hiddenEffects>
               </a:ext>
             </a:extLst>
-          </p:cNvPr>
-          <p:cNvSpPr>
-            <a:spLocks noChangeArrowheads="1"/>
-          </p:cNvSpPr>
-          <p:nvPr/>
-        </p:nvSpPr>
-        <p:spPr bwMode="auto">
-          <a:xfrm>
-            <a:off x="8785340" y="4240006"/>
-            <a:ext cx="152400" cy="152400"/>
-          </a:xfrm>
-          <a:prstGeom prst="rect">
-            <a:avLst/>
-          </a:prstGeom>
-          <a:solidFill>
-            <a:schemeClr val="hlink"/>
-          </a:solidFill>
-          <a:ln w="9525">
+          </p:spPr>
+          <p:txBody>
+            <a:bodyPr wrap="none" anchor="ctr"/>
+            <a:lstStyle/>
+            <a:p>
+              <a:endParaRPr lang="en-US"/>
+            </a:p>
+          </p:txBody>
+        </p:sp>
+        <p:sp>
+          <p:nvSpPr>
+            <p:cNvPr id="24" name="Rectangle 23">
+              <a:extLst>
+                <a:ext uri="{FF2B5EF4-FFF2-40B4-BE49-F238E27FC236}">
+                  <a16:creationId xmlns:a16="http://schemas.microsoft.com/office/drawing/2014/main" id="{C4885728-B055-4627-B013-910B3DC9047E}"/>
+                </a:ext>
+              </a:extLst>
+            </p:cNvPr>
+            <p:cNvSpPr>
+              <a:spLocks noChangeArrowheads="1"/>
+            </p:cNvSpPr>
+            <p:nvPr/>
+          </p:nvSpPr>
+          <p:spPr bwMode="auto">
+            <a:xfrm>
+              <a:off x="8709140" y="3401806"/>
+              <a:ext cx="152400" cy="152400"/>
+            </a:xfrm>
+            <a:prstGeom prst="rect">
+              <a:avLst/>
+            </a:prstGeom>
             <a:solidFill>
-              <a:schemeClr val="tx1"/>
+              <a:schemeClr val="hlink"/>
             </a:solidFill>
-            <a:miter lim="800000"/>
-            <a:headEnd/>
-            <a:tailEnd/>
-          </a:ln>
-          <a:effectLst/>
-          <a:extLst>
-            <a:ext uri="{AF507438-7753-43E0-B8FC-AC1667EBCBE1}">
-              <a14:hiddenEffects xmlns:a14="http://schemas.microsoft.com/office/drawing/2010/main">
-                <a:effectLst>
-                  <a:outerShdw dist="35921" dir="2700000" algn="ctr" rotWithShape="0">
-                    <a:schemeClr val="bg2"/>
-                  </a:outerShdw>
-                </a:effectLst>
-              </a14:hiddenEffects>
-            </a:ext>
-          </a:extLst>
-        </p:spPr>
-        <p:txBody>
-          <a:bodyPr wrap="none" anchor="ctr"/>
-          <a:lstStyle/>
-          <a:p>
-            <a:endParaRPr lang="en-US"/>
-          </a:p>
-        </p:txBody>
-      </p:sp>
-      <p:sp>
-        <p:nvSpPr>
-          <p:cNvPr id="23" name="Rectangle 22">
+            <a:ln w="9525">
+              <a:solidFill>
+                <a:schemeClr val="tx1"/>
+              </a:solidFill>
+              <a:miter lim="800000"/>
+              <a:headEnd/>
+              <a:tailEnd/>
+            </a:ln>
+            <a:effectLst/>
             <a:extLst>
-              <a:ext uri="{FF2B5EF4-FFF2-40B4-BE49-F238E27FC236}">
-                <a16:creationId xmlns:a16="http://schemas.microsoft.com/office/drawing/2014/main" id="{6B6C6C4E-0933-4B30-938C-E9DC256787DB}"/>
+              <a:ext uri="{AF507438-7753-43E0-B8FC-AC1667EBCBE1}">
+                <a14:hiddenEffects xmlns:a14="http://schemas.microsoft.com/office/drawing/2010/main">
+                  <a:effectLst>
+                    <a:outerShdw dist="35921" dir="2700000" algn="ctr" rotWithShape="0">
+                      <a:schemeClr val="bg2"/>
+                    </a:outerShdw>
+                  </a:effectLst>
+                </a14:hiddenEffects>
               </a:ext>
             </a:extLst>
-          </p:cNvPr>
-          <p:cNvSpPr>
-            <a:spLocks noChangeArrowheads="1"/>
-          </p:cNvSpPr>
-          <p:nvPr/>
-        </p:nvSpPr>
-        <p:spPr bwMode="auto">
-          <a:xfrm>
-            <a:off x="8480540" y="4621006"/>
-            <a:ext cx="152400" cy="152400"/>
-          </a:xfrm>
-          <a:prstGeom prst="rect">
-            <a:avLst/>
-          </a:prstGeom>
-          <a:solidFill>
-            <a:schemeClr val="hlink"/>
-          </a:solidFill>
-          <a:ln w="9525">
-            <a:solidFill>
-              <a:schemeClr val="tx1"/>
-            </a:solidFill>
-            <a:miter lim="800000"/>
-            <a:headEnd/>
-            <a:tailEnd/>
-          </a:ln>
-          <a:effectLst/>
-          <a:extLst>
-            <a:ext uri="{AF507438-7753-43E0-B8FC-AC1667EBCBE1}">
-              <a14:hiddenEffects xmlns:a14="http://schemas.microsoft.com/office/drawing/2010/main">
-                <a:effectLst>
-                  <a:outerShdw dist="35921" dir="2700000" algn="ctr" rotWithShape="0">
-                    <a:schemeClr val="bg2"/>
-                  </a:outerShdw>
-                </a:effectLst>
-              </a14:hiddenEffects>
-            </a:ext>
-          </a:extLst>
-        </p:spPr>
-        <p:txBody>
-          <a:bodyPr wrap="none" anchor="ctr"/>
-          <a:lstStyle/>
-          <a:p>
-            <a:endParaRPr lang="en-US"/>
-          </a:p>
-        </p:txBody>
-      </p:sp>
-      <p:sp>
-        <p:nvSpPr>
-          <p:cNvPr id="24" name="Rectangle 23">
-            <a:extLst>
-              <a:ext uri="{FF2B5EF4-FFF2-40B4-BE49-F238E27FC236}">
-                <a16:creationId xmlns:a16="http://schemas.microsoft.com/office/drawing/2014/main" id="{C4885728-B055-4627-B013-910B3DC9047E}"/>
-              </a:ext>
-            </a:extLst>
-          </p:cNvPr>
-          <p:cNvSpPr>
-            <a:spLocks noChangeArrowheads="1"/>
-          </p:cNvSpPr>
-          <p:nvPr/>
-        </p:nvSpPr>
-        <p:spPr bwMode="auto">
-          <a:xfrm>
-            <a:off x="8709140" y="3401806"/>
-            <a:ext cx="152400" cy="152400"/>
-          </a:xfrm>
-          <a:prstGeom prst="rect">
-            <a:avLst/>
-          </a:prstGeom>
-          <a:solidFill>
-            <a:schemeClr val="hlink"/>
-          </a:solidFill>
-          <a:ln w="9525">
-            <a:solidFill>
-              <a:schemeClr val="tx1"/>
-            </a:solidFill>
-            <a:miter lim="800000"/>
-            <a:headEnd/>
-            <a:tailEnd/>
-          </a:ln>
-          <a:effectLst/>
-          <a:extLst>
-            <a:ext uri="{AF507438-7753-43E0-B8FC-AC1667EBCBE1}">
-              <a14:hiddenEffects xmlns:a14="http://schemas.microsoft.com/office/drawing/2010/main">
-                <a:effectLst>
-                  <a:outerShdw dist="35921" dir="2700000" algn="ctr" rotWithShape="0">
-                    <a:schemeClr val="bg2"/>
-                  </a:outerShdw>
-                </a:effectLst>
-              </a14:hiddenEffects>
-            </a:ext>
-          </a:extLst>
-        </p:spPr>
-        <p:txBody>
-          <a:bodyPr wrap="none" anchor="ctr"/>
-          <a:lstStyle/>
-          <a:p>
-            <a:endParaRPr lang="en-US" dirty="0"/>
-          </a:p>
-        </p:txBody>
-      </p:sp>
-      <p:sp>
-        <p:nvSpPr>
-          <p:cNvPr id="25" name="Isosceles Triangle 24">
-            <a:extLst>
-              <a:ext uri="{FF2B5EF4-FFF2-40B4-BE49-F238E27FC236}">
-                <a16:creationId xmlns:a16="http://schemas.microsoft.com/office/drawing/2014/main" id="{9C58DAB6-85AF-43C2-8902-EC6056C74465}"/>
-              </a:ext>
-            </a:extLst>
-          </p:cNvPr>
-          <p:cNvSpPr/>
-          <p:nvPr/>
-        </p:nvSpPr>
-        <p:spPr>
-          <a:xfrm>
-            <a:off x="10203897" y="3630406"/>
-            <a:ext cx="239343" cy="152400"/>
-          </a:xfrm>
-          <a:prstGeom prst="triangle">
-            <a:avLst/>
-          </a:prstGeom>
-          <a:effectLst/>
-        </p:spPr>
-        <p:style>
-          <a:lnRef idx="1">
-            <a:schemeClr val="accent1"/>
-          </a:lnRef>
-          <a:fillRef idx="3">
-            <a:schemeClr val="accent1"/>
-          </a:fillRef>
-          <a:effectRef idx="2">
-            <a:schemeClr val="accent1"/>
-          </a:effectRef>
-          <a:fontRef idx="minor">
-            <a:schemeClr val="lt1"/>
-          </a:fontRef>
-        </p:style>
-        <p:txBody>
-          <a:bodyPr rtlCol="0" anchor="ctr"/>
-          <a:lstStyle/>
-          <a:p>
-            <a:pPr algn="ctr"/>
-            <a:endParaRPr lang="en-US"/>
-          </a:p>
-        </p:txBody>
-      </p:sp>
-      <p:sp>
-        <p:nvSpPr>
-          <p:cNvPr id="26" name="Isosceles Triangle 25">
-            <a:extLst>
-              <a:ext uri="{FF2B5EF4-FFF2-40B4-BE49-F238E27FC236}">
-                <a16:creationId xmlns:a16="http://schemas.microsoft.com/office/drawing/2014/main" id="{4335A40F-5DF1-4805-8C5A-A2599DE42E6C}"/>
-              </a:ext>
-            </a:extLst>
-          </p:cNvPr>
-          <p:cNvSpPr/>
-          <p:nvPr/>
-        </p:nvSpPr>
-        <p:spPr>
-          <a:xfrm>
-            <a:off x="10682222" y="3401806"/>
-            <a:ext cx="239343" cy="152400"/>
-          </a:xfrm>
-          <a:prstGeom prst="triangle">
-            <a:avLst/>
-          </a:prstGeom>
-          <a:effectLst/>
-        </p:spPr>
-        <p:style>
-          <a:lnRef idx="1">
-            <a:schemeClr val="accent1"/>
-          </a:lnRef>
-          <a:fillRef idx="3">
-            <a:schemeClr val="accent1"/>
-          </a:fillRef>
-          <a:effectRef idx="2">
-            <a:schemeClr val="accent1"/>
-          </a:effectRef>
-          <a:fontRef idx="minor">
-            <a:schemeClr val="lt1"/>
-          </a:fontRef>
-        </p:style>
-        <p:txBody>
-          <a:bodyPr rtlCol="0" anchor="ctr"/>
-          <a:lstStyle/>
-          <a:p>
-            <a:pPr algn="ctr"/>
-            <a:endParaRPr lang="en-US"/>
-          </a:p>
-        </p:txBody>
-      </p:sp>
-      <p:sp>
-        <p:nvSpPr>
-          <p:cNvPr id="27" name="Isosceles Triangle 26">
-            <a:extLst>
-              <a:ext uri="{FF2B5EF4-FFF2-40B4-BE49-F238E27FC236}">
-                <a16:creationId xmlns:a16="http://schemas.microsoft.com/office/drawing/2014/main" id="{18F18C94-F296-4F61-A324-407B33DD14C1}"/>
-              </a:ext>
-            </a:extLst>
-          </p:cNvPr>
-          <p:cNvSpPr/>
-          <p:nvPr/>
-        </p:nvSpPr>
-        <p:spPr>
-          <a:xfrm>
-            <a:off x="10626379" y="4038175"/>
-            <a:ext cx="239343" cy="152400"/>
-          </a:xfrm>
-          <a:prstGeom prst="triangle">
-            <a:avLst/>
-          </a:prstGeom>
-          <a:effectLst/>
-        </p:spPr>
-        <p:style>
-          <a:lnRef idx="1">
-            <a:schemeClr val="accent1"/>
-          </a:lnRef>
-          <a:fillRef idx="3">
-            <a:schemeClr val="accent1"/>
-          </a:fillRef>
-          <a:effectRef idx="2">
-            <a:schemeClr val="accent1"/>
-          </a:effectRef>
-          <a:fontRef idx="minor">
-            <a:schemeClr val="lt1"/>
-          </a:fontRef>
-        </p:style>
-        <p:txBody>
-          <a:bodyPr rtlCol="0" anchor="ctr"/>
-          <a:lstStyle/>
-          <a:p>
-            <a:pPr algn="ctr"/>
-            <a:endParaRPr lang="en-US"/>
-          </a:p>
-        </p:txBody>
-      </p:sp>
-      <p:sp>
-        <p:nvSpPr>
-          <p:cNvPr id="28" name="Isosceles Triangle 27">
-            <a:extLst>
-              <a:ext uri="{FF2B5EF4-FFF2-40B4-BE49-F238E27FC236}">
-                <a16:creationId xmlns:a16="http://schemas.microsoft.com/office/drawing/2014/main" id="{D19C08B9-510B-4153-9894-CA8C0E2F3171}"/>
-              </a:ext>
-            </a:extLst>
-          </p:cNvPr>
-          <p:cNvSpPr/>
-          <p:nvPr/>
-        </p:nvSpPr>
-        <p:spPr>
-          <a:xfrm>
-            <a:off x="10951669" y="3567590"/>
-            <a:ext cx="239343" cy="152400"/>
-          </a:xfrm>
-          <a:prstGeom prst="triangle">
-            <a:avLst/>
-          </a:prstGeom>
-          <a:effectLst/>
-        </p:spPr>
-        <p:style>
-          <a:lnRef idx="1">
-            <a:schemeClr val="accent1"/>
-          </a:lnRef>
-          <a:fillRef idx="3">
-            <a:schemeClr val="accent1"/>
-          </a:fillRef>
-          <a:effectRef idx="2">
-            <a:schemeClr val="accent1"/>
-          </a:effectRef>
-          <a:fontRef idx="minor">
-            <a:schemeClr val="lt1"/>
-          </a:fontRef>
-        </p:style>
-        <p:txBody>
-          <a:bodyPr rtlCol="0" anchor="ctr"/>
-          <a:lstStyle/>
-          <a:p>
-            <a:pPr algn="ctr"/>
-            <a:endParaRPr lang="en-US"/>
-          </a:p>
-        </p:txBody>
-      </p:sp>
-      <p:sp>
-        <p:nvSpPr>
-          <p:cNvPr id="29" name="Isosceles Triangle 28">
-            <a:extLst>
-              <a:ext uri="{FF2B5EF4-FFF2-40B4-BE49-F238E27FC236}">
-                <a16:creationId xmlns:a16="http://schemas.microsoft.com/office/drawing/2014/main" id="{DAD22AC2-A12E-4303-B826-DF6E70F6898F}"/>
-              </a:ext>
-            </a:extLst>
-          </p:cNvPr>
-          <p:cNvSpPr/>
-          <p:nvPr/>
-        </p:nvSpPr>
-        <p:spPr>
-          <a:xfrm>
-            <a:off x="10203897" y="4437198"/>
-            <a:ext cx="239343" cy="152400"/>
-          </a:xfrm>
-          <a:prstGeom prst="triangle">
-            <a:avLst/>
-          </a:prstGeom>
-          <a:effectLst/>
-        </p:spPr>
-        <p:style>
-          <a:lnRef idx="1">
-            <a:schemeClr val="accent1"/>
-          </a:lnRef>
-          <a:fillRef idx="3">
-            <a:schemeClr val="accent1"/>
-          </a:fillRef>
-          <a:effectRef idx="2">
-            <a:schemeClr val="accent1"/>
-          </a:effectRef>
-          <a:fontRef idx="minor">
-            <a:schemeClr val="lt1"/>
-          </a:fontRef>
-        </p:style>
-        <p:txBody>
-          <a:bodyPr rtlCol="0" anchor="ctr"/>
-          <a:lstStyle/>
-          <a:p>
-            <a:pPr algn="ctr"/>
-            <a:endParaRPr lang="en-US"/>
-          </a:p>
-        </p:txBody>
-      </p:sp>
-      <p:sp>
-        <p:nvSpPr>
-          <p:cNvPr id="30" name="Isosceles Triangle 29">
-            <a:extLst>
-              <a:ext uri="{FF2B5EF4-FFF2-40B4-BE49-F238E27FC236}">
-                <a16:creationId xmlns:a16="http://schemas.microsoft.com/office/drawing/2014/main" id="{4DD18087-804A-4DE4-9C5E-6225BC3AE485}"/>
-              </a:ext>
-            </a:extLst>
-          </p:cNvPr>
-          <p:cNvSpPr/>
-          <p:nvPr/>
-        </p:nvSpPr>
-        <p:spPr>
-          <a:xfrm>
-            <a:off x="10732202" y="4453713"/>
-            <a:ext cx="239343" cy="152400"/>
-          </a:xfrm>
-          <a:prstGeom prst="triangle">
-            <a:avLst/>
-          </a:prstGeom>
-          <a:effectLst/>
-        </p:spPr>
-        <p:style>
-          <a:lnRef idx="1">
-            <a:schemeClr val="accent1"/>
-          </a:lnRef>
-          <a:fillRef idx="3">
-            <a:schemeClr val="accent1"/>
-          </a:fillRef>
-          <a:effectRef idx="2">
-            <a:schemeClr val="accent1"/>
-          </a:effectRef>
-          <a:fontRef idx="minor">
-            <a:schemeClr val="lt1"/>
-          </a:fontRef>
-        </p:style>
-        <p:txBody>
-          <a:bodyPr rtlCol="0" anchor="ctr"/>
-          <a:lstStyle/>
-          <a:p>
-            <a:pPr algn="ctr"/>
-            <a:endParaRPr lang="en-US"/>
-          </a:p>
-        </p:txBody>
-      </p:sp>
-      <mc:AlternateContent xmlns:mc="http://schemas.openxmlformats.org/markup-compatibility/2006" xmlns:p14="http://schemas.microsoft.com/office/powerpoint/2010/main">
-        <mc:Choice Requires="p14">
-          <p:contentPart p14:bwMode="auto" r:id="rId5">
-            <p14:nvContentPartPr>
-              <p14:cNvPr id="31" name="Ink 30">
-                <a:extLst>
-                  <a:ext uri="{FF2B5EF4-FFF2-40B4-BE49-F238E27FC236}">
-                    <a16:creationId xmlns:a16="http://schemas.microsoft.com/office/drawing/2014/main" id="{E9520FE9-2187-4017-9958-7D3BF1650177}"/>
-                  </a:ext>
-                </a:extLst>
-              </p14:cNvPr>
-              <p14:cNvContentPartPr/>
-              <p14:nvPr/>
-            </p14:nvContentPartPr>
-            <p14:xfrm>
-              <a:off x="8487139" y="2319993"/>
-              <a:ext cx="2480760" cy="2702520"/>
-            </p14:xfrm>
-          </p:contentPart>
-        </mc:Choice>
-        <mc:Fallback xmlns="">
-          <p:pic>
-            <p:nvPicPr>
-              <p:cNvPr id="31" name="Ink 30">
-                <a:extLst>
-                  <a:ext uri="{FF2B5EF4-FFF2-40B4-BE49-F238E27FC236}">
-                    <a16:creationId xmlns:a16="http://schemas.microsoft.com/office/drawing/2014/main" id="{E9520FE9-2187-4017-9958-7D3BF1650177}"/>
-                  </a:ext>
-                </a:extLst>
-              </p:cNvPr>
-              <p:cNvPicPr/>
-              <p:nvPr/>
-            </p:nvPicPr>
-            <p:blipFill>
-              <a:blip r:embed="rId6"/>
-              <a:stretch>
-                <a:fillRect/>
-              </a:stretch>
-            </p:blipFill>
-            <p:spPr>
-              <a:xfrm>
-                <a:off x="8478499" y="2311353"/>
-                <a:ext cx="2498400" cy="2720160"/>
-              </a:xfrm>
-              <a:prstGeom prst="rect">
-                <a:avLst/>
-              </a:prstGeom>
-            </p:spPr>
-          </p:pic>
-        </mc:Fallback>
-      </mc:AlternateContent>
+          </p:spPr>
+          <p:txBody>
+            <a:bodyPr wrap="none" anchor="ctr"/>
+            <a:lstStyle/>
+            <a:p>
+              <a:endParaRPr lang="en-US" dirty="0"/>
+            </a:p>
+          </p:txBody>
+        </p:sp>
+        <p:sp>
+          <p:nvSpPr>
+            <p:cNvPr id="25" name="Isosceles Triangle 24">
+              <a:extLst>
+                <a:ext uri="{FF2B5EF4-FFF2-40B4-BE49-F238E27FC236}">
+                  <a16:creationId xmlns:a16="http://schemas.microsoft.com/office/drawing/2014/main" id="{9C58DAB6-85AF-43C2-8902-EC6056C74465}"/>
+                </a:ext>
+              </a:extLst>
+            </p:cNvPr>
+            <p:cNvSpPr/>
+            <p:nvPr/>
+          </p:nvSpPr>
+          <p:spPr>
+            <a:xfrm>
+              <a:off x="10203897" y="3630406"/>
+              <a:ext cx="239343" cy="152400"/>
+            </a:xfrm>
+            <a:prstGeom prst="triangle">
+              <a:avLst/>
+            </a:prstGeom>
+            <a:effectLst/>
+          </p:spPr>
+          <p:style>
+            <a:lnRef idx="1">
+              <a:schemeClr val="accent1"/>
+            </a:lnRef>
+            <a:fillRef idx="3">
+              <a:schemeClr val="accent1"/>
+            </a:fillRef>
+            <a:effectRef idx="2">
+              <a:schemeClr val="accent1"/>
+            </a:effectRef>
+            <a:fontRef idx="minor">
+              <a:schemeClr val="lt1"/>
+            </a:fontRef>
+          </p:style>
+          <p:txBody>
+            <a:bodyPr rtlCol="0" anchor="ctr"/>
+            <a:lstStyle/>
+            <a:p>
+              <a:pPr algn="ctr"/>
+              <a:endParaRPr lang="en-US"/>
+            </a:p>
+          </p:txBody>
+        </p:sp>
+        <p:sp>
+          <p:nvSpPr>
+            <p:cNvPr id="26" name="Isosceles Triangle 25">
+              <a:extLst>
+                <a:ext uri="{FF2B5EF4-FFF2-40B4-BE49-F238E27FC236}">
+                  <a16:creationId xmlns:a16="http://schemas.microsoft.com/office/drawing/2014/main" id="{4335A40F-5DF1-4805-8C5A-A2599DE42E6C}"/>
+                </a:ext>
+              </a:extLst>
+            </p:cNvPr>
+            <p:cNvSpPr/>
+            <p:nvPr/>
+          </p:nvSpPr>
+          <p:spPr>
+            <a:xfrm>
+              <a:off x="10682222" y="3401806"/>
+              <a:ext cx="239343" cy="152400"/>
+            </a:xfrm>
+            <a:prstGeom prst="triangle">
+              <a:avLst/>
+            </a:prstGeom>
+            <a:effectLst/>
+          </p:spPr>
+          <p:style>
+            <a:lnRef idx="1">
+              <a:schemeClr val="accent1"/>
+            </a:lnRef>
+            <a:fillRef idx="3">
+              <a:schemeClr val="accent1"/>
+            </a:fillRef>
+            <a:effectRef idx="2">
+              <a:schemeClr val="accent1"/>
+            </a:effectRef>
+            <a:fontRef idx="minor">
+              <a:schemeClr val="lt1"/>
+            </a:fontRef>
+          </p:style>
+          <p:txBody>
+            <a:bodyPr rtlCol="0" anchor="ctr"/>
+            <a:lstStyle/>
+            <a:p>
+              <a:pPr algn="ctr"/>
+              <a:endParaRPr lang="en-US"/>
+            </a:p>
+          </p:txBody>
+        </p:sp>
+        <p:sp>
+          <p:nvSpPr>
+            <p:cNvPr id="27" name="Isosceles Triangle 26">
+              <a:extLst>
+                <a:ext uri="{FF2B5EF4-FFF2-40B4-BE49-F238E27FC236}">
+                  <a16:creationId xmlns:a16="http://schemas.microsoft.com/office/drawing/2014/main" id="{18F18C94-F296-4F61-A324-407B33DD14C1}"/>
+                </a:ext>
+              </a:extLst>
+            </p:cNvPr>
+            <p:cNvSpPr/>
+            <p:nvPr/>
+          </p:nvSpPr>
+          <p:spPr>
+            <a:xfrm>
+              <a:off x="10626379" y="4038175"/>
+              <a:ext cx="239343" cy="152400"/>
+            </a:xfrm>
+            <a:prstGeom prst="triangle">
+              <a:avLst/>
+            </a:prstGeom>
+            <a:effectLst/>
+          </p:spPr>
+          <p:style>
+            <a:lnRef idx="1">
+              <a:schemeClr val="accent1"/>
+            </a:lnRef>
+            <a:fillRef idx="3">
+              <a:schemeClr val="accent1"/>
+            </a:fillRef>
+            <a:effectRef idx="2">
+              <a:schemeClr val="accent1"/>
+            </a:effectRef>
+            <a:fontRef idx="minor">
+              <a:schemeClr val="lt1"/>
+            </a:fontRef>
+          </p:style>
+          <p:txBody>
+            <a:bodyPr rtlCol="0" anchor="ctr"/>
+            <a:lstStyle/>
+            <a:p>
+              <a:pPr algn="ctr"/>
+              <a:endParaRPr lang="en-US"/>
+            </a:p>
+          </p:txBody>
+        </p:sp>
+        <p:sp>
+          <p:nvSpPr>
+            <p:cNvPr id="28" name="Isosceles Triangle 27">
+              <a:extLst>
+                <a:ext uri="{FF2B5EF4-FFF2-40B4-BE49-F238E27FC236}">
+                  <a16:creationId xmlns:a16="http://schemas.microsoft.com/office/drawing/2014/main" id="{D19C08B9-510B-4153-9894-CA8C0E2F3171}"/>
+                </a:ext>
+              </a:extLst>
+            </p:cNvPr>
+            <p:cNvSpPr/>
+            <p:nvPr/>
+          </p:nvSpPr>
+          <p:spPr>
+            <a:xfrm>
+              <a:off x="10951669" y="3567590"/>
+              <a:ext cx="239343" cy="152400"/>
+            </a:xfrm>
+            <a:prstGeom prst="triangle">
+              <a:avLst/>
+            </a:prstGeom>
+            <a:effectLst/>
+          </p:spPr>
+          <p:style>
+            <a:lnRef idx="1">
+              <a:schemeClr val="accent1"/>
+            </a:lnRef>
+            <a:fillRef idx="3">
+              <a:schemeClr val="accent1"/>
+            </a:fillRef>
+            <a:effectRef idx="2">
+              <a:schemeClr val="accent1"/>
+            </a:effectRef>
+            <a:fontRef idx="minor">
+              <a:schemeClr val="lt1"/>
+            </a:fontRef>
+          </p:style>
+          <p:txBody>
+            <a:bodyPr rtlCol="0" anchor="ctr"/>
+            <a:lstStyle/>
+            <a:p>
+              <a:pPr algn="ctr"/>
+              <a:endParaRPr lang="en-US"/>
+            </a:p>
+          </p:txBody>
+        </p:sp>
+        <p:sp>
+          <p:nvSpPr>
+            <p:cNvPr id="29" name="Isosceles Triangle 28">
+              <a:extLst>
+                <a:ext uri="{FF2B5EF4-FFF2-40B4-BE49-F238E27FC236}">
+                  <a16:creationId xmlns:a16="http://schemas.microsoft.com/office/drawing/2014/main" id="{DAD22AC2-A12E-4303-B826-DF6E70F6898F}"/>
+                </a:ext>
+              </a:extLst>
+            </p:cNvPr>
+            <p:cNvSpPr/>
+            <p:nvPr/>
+          </p:nvSpPr>
+          <p:spPr>
+            <a:xfrm>
+              <a:off x="10203897" y="4437198"/>
+              <a:ext cx="239343" cy="152400"/>
+            </a:xfrm>
+            <a:prstGeom prst="triangle">
+              <a:avLst/>
+            </a:prstGeom>
+            <a:effectLst/>
+          </p:spPr>
+          <p:style>
+            <a:lnRef idx="1">
+              <a:schemeClr val="accent1"/>
+            </a:lnRef>
+            <a:fillRef idx="3">
+              <a:schemeClr val="accent1"/>
+            </a:fillRef>
+            <a:effectRef idx="2">
+              <a:schemeClr val="accent1"/>
+            </a:effectRef>
+            <a:fontRef idx="minor">
+              <a:schemeClr val="lt1"/>
+            </a:fontRef>
+          </p:style>
+          <p:txBody>
+            <a:bodyPr rtlCol="0" anchor="ctr"/>
+            <a:lstStyle/>
+            <a:p>
+              <a:pPr algn="ctr"/>
+              <a:endParaRPr lang="en-US"/>
+            </a:p>
+          </p:txBody>
+        </p:sp>
+        <p:sp>
+          <p:nvSpPr>
+            <p:cNvPr id="30" name="Isosceles Triangle 29">
+              <a:extLst>
+                <a:ext uri="{FF2B5EF4-FFF2-40B4-BE49-F238E27FC236}">
+                  <a16:creationId xmlns:a16="http://schemas.microsoft.com/office/drawing/2014/main" id="{4DD18087-804A-4DE4-9C5E-6225BC3AE485}"/>
+                </a:ext>
+              </a:extLst>
+            </p:cNvPr>
+            <p:cNvSpPr/>
+            <p:nvPr/>
+          </p:nvSpPr>
+          <p:spPr>
+            <a:xfrm>
+              <a:off x="10732202" y="4453713"/>
+              <a:ext cx="239343" cy="152400"/>
+            </a:xfrm>
+            <a:prstGeom prst="triangle">
+              <a:avLst/>
+            </a:prstGeom>
+            <a:effectLst/>
+          </p:spPr>
+          <p:style>
+            <a:lnRef idx="1">
+              <a:schemeClr val="accent1"/>
+            </a:lnRef>
+            <a:fillRef idx="3">
+              <a:schemeClr val="accent1"/>
+            </a:fillRef>
+            <a:effectRef idx="2">
+              <a:schemeClr val="accent1"/>
+            </a:effectRef>
+            <a:fontRef idx="minor">
+              <a:schemeClr val="lt1"/>
+            </a:fontRef>
+          </p:style>
+          <p:txBody>
+            <a:bodyPr rtlCol="0" anchor="ctr"/>
+            <a:lstStyle/>
+            <a:p>
+              <a:pPr algn="ctr"/>
+              <a:endParaRPr lang="en-US"/>
+            </a:p>
+          </p:txBody>
+        </p:sp>
+        <mc:AlternateContent xmlns:mc="http://schemas.openxmlformats.org/markup-compatibility/2006">
+          <mc:Choice xmlns:p14="http://schemas.microsoft.com/office/powerpoint/2010/main" Requires="p14">
+            <p:contentPart p14:bwMode="auto" r:id="rId5">
+              <p14:nvContentPartPr>
+                <p14:cNvPr id="31" name="Ink 30">
+                  <a:extLst>
+                    <a:ext uri="{FF2B5EF4-FFF2-40B4-BE49-F238E27FC236}">
+                      <a16:creationId xmlns:a16="http://schemas.microsoft.com/office/drawing/2014/main" id="{E9520FE9-2187-4017-9958-7D3BF1650177}"/>
+                    </a:ext>
+                  </a:extLst>
+                </p14:cNvPr>
+                <p14:cNvContentPartPr/>
+                <p14:nvPr/>
+              </p14:nvContentPartPr>
+              <p14:xfrm>
+                <a:off x="8487139" y="2319993"/>
+                <a:ext cx="2480760" cy="2702520"/>
+              </p14:xfrm>
+            </p:contentPart>
+          </mc:Choice>
+          <mc:Fallback>
+            <p:pic>
+              <p:nvPicPr>
+                <p:cNvPr id="31" name="Ink 30">
+                  <a:extLst>
+                    <a:ext uri="{FF2B5EF4-FFF2-40B4-BE49-F238E27FC236}">
+                      <a16:creationId xmlns:a16="http://schemas.microsoft.com/office/drawing/2014/main" id="{E9520FE9-2187-4017-9958-7D3BF1650177}"/>
+                    </a:ext>
+                  </a:extLst>
+                </p:cNvPr>
+                <p:cNvPicPr/>
+                <p:nvPr/>
+              </p:nvPicPr>
+              <p:blipFill>
+                <a:blip r:embed="rId6"/>
+                <a:stretch>
+                  <a:fillRect/>
+                </a:stretch>
+              </p:blipFill>
+              <p:spPr>
+                <a:xfrm>
+                  <a:off x="8476214" y="2308532"/>
+                  <a:ext cx="2502172" cy="2724984"/>
+                </a:xfrm>
+                <a:prstGeom prst="rect">
+                  <a:avLst/>
+                </a:prstGeom>
+              </p:spPr>
+            </p:pic>
+          </mc:Fallback>
+        </mc:AlternateContent>
+      </p:grpSp>
     </p:spTree>
     <p:extLst>
       <p:ext uri="{BB962C8B-B14F-4D97-AF65-F5344CB8AC3E}">
@@ -20064,7 +20127,7 @@
         <p:spPr>
           <a:xfrm>
             <a:off x="878845" y="1950282"/>
-            <a:ext cx="6189362" cy="2677656"/>
+            <a:ext cx="6189362" cy="3416320"/>
           </a:xfrm>
           <a:prstGeom prst="rect">
             <a:avLst/>
@@ -20084,6 +20147,23 @@
             <a:r>
               <a:rPr lang="en-US" dirty="0"/>
               <a:t>Weighted k-NN</a:t>
+            </a:r>
+          </a:p>
+          <a:p>
+            <a:pPr marL="342900" indent="-342900">
+              <a:buFont typeface="Arial" panose="020B0604020202020204" pitchFamily="34" charset="0"/>
+              <a:buChar char="•"/>
+            </a:pPr>
+            <a:endParaRPr lang="en-US" dirty="0"/>
+          </a:p>
+          <a:p>
+            <a:pPr marL="342900" indent="-342900">
+              <a:buFont typeface="Arial" panose="020B0604020202020204" pitchFamily="34" charset="0"/>
+              <a:buChar char="•"/>
+            </a:pPr>
+            <a:r>
+              <a:rPr lang="en-US" dirty="0"/>
+              <a:t>Modified version of k-NN</a:t>
             </a:r>
           </a:p>
           <a:p>
@@ -21346,7 +21426,7 @@
           <a:lstStyle/>
           <a:p>
             <a:r>
-              <a:rPr lang="en-US" sz="4000" b="1">
+              <a:rPr lang="en-US" sz="4000" b="1" dirty="0">
                 <a:solidFill>
                   <a:srgbClr val="E46102"/>
                 </a:solidFill>
@@ -21886,6 +21966,75 @@
           </a:fontRef>
         </p:style>
       </p:cxnSp>
+      <p:sp>
+        <p:nvSpPr>
+          <p:cNvPr id="5" name="TextBox 4">
+            <a:extLst>
+              <a:ext uri="{FF2B5EF4-FFF2-40B4-BE49-F238E27FC236}">
+                <a16:creationId xmlns:a16="http://schemas.microsoft.com/office/drawing/2014/main" id="{3CD5F237-787B-40F2-C9E8-DA1E5DF92D4F}"/>
+              </a:ext>
+            </a:extLst>
+          </p:cNvPr>
+          <p:cNvSpPr txBox="1"/>
+          <p:nvPr/>
+        </p:nvSpPr>
+        <p:spPr>
+          <a:xfrm>
+            <a:off x="6614548" y="1993359"/>
+            <a:ext cx="5075425" cy="1200329"/>
+          </a:xfrm>
+          <a:prstGeom prst="rect">
+            <a:avLst/>
+          </a:prstGeom>
+          <a:noFill/>
+          <a:ln>
+            <a:solidFill>
+              <a:schemeClr val="tx1"/>
+            </a:solidFill>
+          </a:ln>
+        </p:spPr>
+        <p:txBody>
+          <a:bodyPr wrap="square" rtlCol="0">
+            <a:spAutoFit/>
+          </a:bodyPr>
+          <a:lstStyle/>
+          <a:p>
+            <a:pPr algn="ctr"/>
+            <a:r>
+              <a:rPr lang="en-US" sz="1800" b="0" i="0" dirty="0">
+                <a:solidFill>
+                  <a:srgbClr val="273239"/>
+                </a:solidFill>
+                <a:effectLst/>
+                <a:latin typeface="urw-din"/>
+              </a:rPr>
+              <a:t>nearest k points are given a weight using a function called kernel function</a:t>
+            </a:r>
+          </a:p>
+          <a:p>
+            <a:pPr algn="ctr"/>
+            <a:endParaRPr lang="en-US" sz="1800" dirty="0">
+              <a:solidFill>
+                <a:srgbClr val="273239"/>
+              </a:solidFill>
+              <a:latin typeface="urw-din"/>
+            </a:endParaRPr>
+          </a:p>
+          <a:p>
+            <a:pPr algn="ctr"/>
+            <a:r>
+              <a:rPr lang="en-US" sz="1800" b="0" i="0" dirty="0">
+                <a:solidFill>
+                  <a:srgbClr val="273239"/>
+                </a:solidFill>
+                <a:effectLst/>
+                <a:latin typeface="urw-din"/>
+              </a:rPr>
+              <a:t>IDT most common kernel function</a:t>
+            </a:r>
+          </a:p>
+        </p:txBody>
+      </p:sp>
     </p:spTree>
     <p:extLst>
       <p:ext uri="{BB962C8B-B14F-4D97-AF65-F5344CB8AC3E}">

--- a/Syllabus/Lecture08/Lec08.pptx
+++ b/Syllabus/Lecture08/Lec08.pptx
@@ -5,10 +5,10 @@
     <p:sldMasterId id="2147483664" r:id="rId1"/>
   </p:sldMasterIdLst>
   <p:notesMasterIdLst>
-    <p:notesMasterId r:id="rId48"/>
+    <p:notesMasterId r:id="rId47"/>
   </p:notesMasterIdLst>
   <p:handoutMasterIdLst>
-    <p:handoutMasterId r:id="rId49"/>
+    <p:handoutMasterId r:id="rId48"/>
   </p:handoutMasterIdLst>
   <p:sldIdLst>
     <p:sldId id="266" r:id="rId2"/>
@@ -56,7 +56,6 @@
     <p:sldId id="1091" r:id="rId44"/>
     <p:sldId id="416" r:id="rId45"/>
     <p:sldId id="410" r:id="rId46"/>
-    <p:sldId id="290" r:id="rId47"/>
   </p:sldIdLst>
   <p:sldSz cx="12192000" cy="6858000"/>
   <p:notesSz cx="6858000" cy="9144000"/>
@@ -205,7 +204,6 @@
             <p14:sldId id="1091"/>
             <p14:sldId id="416"/>
             <p14:sldId id="410"/>
-            <p14:sldId id="290"/>
           </p14:sldIdLst>
         </p14:section>
       </p14:sectionLst>
@@ -23418,14 +23416,20 @@
             </a:r>
           </a:p>
           <a:p>
-            <a:pPr lvl="1"/>
+            <a:pPr marL="1066785" lvl="1" indent="-457200">
+              <a:buFont typeface="Arial" panose="020B0604020202020204" pitchFamily="34" charset="0"/>
+              <a:buChar char="•"/>
+            </a:pPr>
             <a:r>
               <a:rPr lang="en-US" altLang="en-US" sz="3200" dirty="0"/>
               <a:t>Patient weight will have a much greater influence on the distance between samples</a:t>
             </a:r>
           </a:p>
           <a:p>
-            <a:pPr lvl="1"/>
+            <a:pPr marL="1066785" lvl="1" indent="-457200">
+              <a:buFont typeface="Arial" panose="020B0604020202020204" pitchFamily="34" charset="0"/>
+              <a:buChar char="•"/>
+            </a:pPr>
             <a:r>
               <a:rPr lang="en-US" altLang="en-US" sz="3200" dirty="0"/>
               <a:t>May bias the performance of the classifier</a:t>
@@ -30020,17 +30024,6 @@
               <a:t> articles, and searches on the Internet!</a:t>
             </a:r>
           </a:p>
-          <a:p>
-            <a:pPr lvl="1"/>
-            <a:endParaRPr lang="en-US" dirty="0"/>
-          </a:p>
-          <a:p>
-            <a:pPr lvl="1"/>
-            <a:r>
-              <a:rPr lang="en-US" dirty="0"/>
-              <a:t>Coding exercise is from Kaggle.com</a:t>
-            </a:r>
-          </a:p>
         </p:txBody>
       </p:sp>
       <p:sp>
@@ -30155,67 +30148,6 @@
       <p:bldP spid="96" grpId="0"/>
     </p:bldLst>
   </p:timing>
-</p:sld>
-</file>
-
-<file path=ppt/slides/slide46.xml><?xml version="1.0" encoding="utf-8"?>
-<p:sld xmlns:a="http://schemas.openxmlformats.org/drawingml/2006/main" xmlns:r="http://schemas.openxmlformats.org/officeDocument/2006/relationships" xmlns:p="http://schemas.openxmlformats.org/presentationml/2006/main">
-  <p:cSld>
-    <p:spTree>
-      <p:nvGrpSpPr>
-        <p:cNvPr id="1" name=""/>
-        <p:cNvGrpSpPr/>
-        <p:nvPr/>
-      </p:nvGrpSpPr>
-      <p:grpSpPr>
-        <a:xfrm>
-          <a:off x="0" y="0"/>
-          <a:ext cx="0" cy="0"/>
-          <a:chOff x="0" y="0"/>
-          <a:chExt cx="0" cy="0"/>
-        </a:xfrm>
-      </p:grpSpPr>
-      <p:sp>
-        <p:nvSpPr>
-          <p:cNvPr id="3" name="Text Placeholder 2">
-            <a:extLst>
-              <a:ext uri="{FF2B5EF4-FFF2-40B4-BE49-F238E27FC236}">
-                <a16:creationId xmlns:a16="http://schemas.microsoft.com/office/drawing/2014/main" id="{E56EF9D8-F9CF-4472-9C2F-EC46482A8261}"/>
-              </a:ext>
-            </a:extLst>
-          </p:cNvPr>
-          <p:cNvSpPr>
-            <a:spLocks noGrp="1"/>
-          </p:cNvSpPr>
-          <p:nvPr>
-            <p:ph type="body" idx="1"/>
-          </p:nvPr>
-        </p:nvSpPr>
-        <p:spPr/>
-        <p:txBody>
-          <a:bodyPr/>
-          <a:lstStyle/>
-          <a:p>
-            <a:pPr marL="101598" indent="0" algn="ctr">
-              <a:buNone/>
-            </a:pPr>
-            <a:r>
-              <a:rPr lang="en-US" b="1" dirty="0"/>
-              <a:t>Open Floor</a:t>
-            </a:r>
-          </a:p>
-        </p:txBody>
-      </p:sp>
-    </p:spTree>
-    <p:extLst>
-      <p:ext uri="{BB962C8B-B14F-4D97-AF65-F5344CB8AC3E}">
-        <p14:creationId xmlns:p14="http://schemas.microsoft.com/office/powerpoint/2010/main" val="1884791787"/>
-      </p:ext>
-    </p:extLst>
-  </p:cSld>
-  <p:clrMapOvr>
-    <a:masterClrMapping/>
-  </p:clrMapOvr>
 </p:sld>
 </file>
 

--- a/Syllabus/Lecture08/Lec08.pptx
+++ b/Syllabus/Lecture08/Lec08.pptx
@@ -21534,25 +21534,25 @@
           <a:p>
             <a:r>
               <a:rPr lang="en-US" sz="2000" dirty="0"/>
-              <a:t>Id: 7 (0.55 0.41)  class = 1, distance = 0.0922</a:t>
+              <a:t>Id: 6 (0.55 0.41)  class = 1, distance = 0.0922</a:t>
             </a:r>
           </a:p>
           <a:p>
             <a:r>
               <a:rPr lang="en-US" sz="2000" dirty="0"/>
-              <a:t>Id: 7 (0.64 0.24)  class = 2, distance = 0.1118</a:t>
+              <a:t>Id: 8 (0.64 0.24)  class = 2, distance = 0.1118</a:t>
             </a:r>
           </a:p>
           <a:p>
             <a:r>
               <a:rPr lang="en-US" sz="2000" dirty="0"/>
-              <a:t>Id: 7 (0.49 0.32)  class = 0, distance = 0.1334</a:t>
+              <a:t>Id: 3 (0.49 0.32)  class = 0, distance = 0.1334</a:t>
             </a:r>
           </a:p>
           <a:p>
             <a:r>
               <a:rPr lang="en-US" sz="2000" dirty="0"/>
-              <a:t>Id: 7 (0.71 0.22)  class = 2, distance = 0.1581</a:t>
+              <a:t>Id: 1 (0.71 0.22)  class = 2, distance = 0.1581</a:t>
             </a:r>
           </a:p>
           <a:p>
